--- a/Silde UDPTDLTM.pptx
+++ b/Silde UDPTDLTM.pptx
@@ -285,7 +285,7 @@
           <a:p>
             <a:fld id="{4DD77C98-165D-4447-A28B-502896C3CB26}" type="datetimeFigureOut">
               <a:rPr lang="en-US" smtClean="0"/>
-              <a:t>4/15/2024</a:t>
+              <a:t>4/28/2024</a:t>
             </a:fld>
             <a:endParaRPr lang="en-US"/>
           </a:p>
@@ -680,182 +680,7 @@
           <a:bodyPr/>
           <a:lstStyle/>
           <a:p>
-            <a:r>
-              <a:rPr lang="en-US" err="1"/>
-              <a:t>Về</a:t>
-            </a:r>
-            <a:r>
-              <a:rPr lang="en-US"/>
-              <a:t> </a:t>
-            </a:r>
-            <a:r>
-              <a:rPr lang="en-US" err="1"/>
-              <a:t>giá</a:t>
-            </a:r>
-            <a:r>
-              <a:rPr lang="en-US"/>
-              <a:t> </a:t>
-            </a:r>
-            <a:r>
-              <a:rPr lang="en-US" err="1"/>
-              <a:t>thì</a:t>
-            </a:r>
-            <a:r>
-              <a:rPr lang="en-US"/>
-              <a:t> </a:t>
-            </a:r>
-            <a:r>
-              <a:rPr lang="en-US" err="1"/>
-              <a:t>các</a:t>
-            </a:r>
-            <a:r>
-              <a:rPr lang="en-US"/>
-              <a:t> </a:t>
-            </a:r>
-            <a:r>
-              <a:rPr lang="en-US" err="1"/>
-              <a:t>quận</a:t>
-            </a:r>
-            <a:r>
-              <a:rPr lang="en-US"/>
-              <a:t> </a:t>
-            </a:r>
-            <a:r>
-              <a:rPr lang="en-US" err="1"/>
-              <a:t>trung</a:t>
-            </a:r>
-            <a:r>
-              <a:rPr lang="en-US"/>
-              <a:t> </a:t>
-            </a:r>
-            <a:r>
-              <a:rPr lang="en-US" err="1"/>
-              <a:t>tâm</a:t>
-            </a:r>
-            <a:r>
-              <a:rPr lang="en-US"/>
-              <a:t> </a:t>
-            </a:r>
-            <a:r>
-              <a:rPr lang="en-US" err="1"/>
-              <a:t>như</a:t>
-            </a:r>
-            <a:r>
-              <a:rPr lang="en-US"/>
-              <a:t> </a:t>
-            </a:r>
-            <a:r>
-              <a:rPr lang="en-US" err="1"/>
-              <a:t>quận</a:t>
-            </a:r>
-            <a:r>
-              <a:rPr lang="en-US"/>
-              <a:t> 1 </a:t>
-            </a:r>
-            <a:r>
-              <a:rPr lang="en-US" err="1"/>
-              <a:t>quận</a:t>
-            </a:r>
-            <a:r>
-              <a:rPr lang="en-US"/>
-              <a:t> 3 </a:t>
-            </a:r>
-            <a:r>
-              <a:rPr lang="en-US" err="1"/>
-              <a:t>có</a:t>
-            </a:r>
-            <a:r>
-              <a:rPr lang="en-US"/>
-              <a:t> </a:t>
-            </a:r>
-            <a:r>
-              <a:rPr lang="en-US" err="1"/>
-              <a:t>giá</a:t>
-            </a:r>
-            <a:r>
-              <a:rPr lang="en-US"/>
-              <a:t> </a:t>
-            </a:r>
-            <a:r>
-              <a:rPr lang="en-US" err="1"/>
-              <a:t>cao</a:t>
-            </a:r>
-            <a:r>
-              <a:rPr lang="en-US"/>
-              <a:t> </a:t>
-            </a:r>
-            <a:r>
-              <a:rPr lang="en-US" err="1"/>
-              <a:t>nhất</a:t>
-            </a:r>
-            <a:r>
-              <a:rPr lang="en-US"/>
-              <a:t>  </a:t>
-            </a:r>
-            <a:r>
-              <a:rPr lang="en-US" err="1"/>
-              <a:t>chỉ</a:t>
-            </a:r>
-            <a:r>
-              <a:rPr lang="en-US"/>
-              <a:t> </a:t>
-            </a:r>
-            <a:r>
-              <a:rPr lang="en-US" err="1"/>
-              <a:t>có</a:t>
-            </a:r>
-            <a:r>
-              <a:rPr lang="en-US"/>
-              <a:t> </a:t>
-            </a:r>
-            <a:r>
-              <a:rPr lang="en-US" err="1"/>
-              <a:t>quận</a:t>
-            </a:r>
-            <a:r>
-              <a:rPr lang="en-US"/>
-              <a:t> 1 </a:t>
-            </a:r>
-            <a:r>
-              <a:rPr lang="en-US" err="1"/>
-              <a:t>có</a:t>
-            </a:r>
-            <a:r>
-              <a:rPr lang="en-US"/>
-              <a:t> </a:t>
-            </a:r>
-            <a:r>
-              <a:rPr lang="en-US" err="1"/>
-              <a:t>giá</a:t>
-            </a:r>
-            <a:r>
-              <a:rPr lang="en-US"/>
-              <a:t> </a:t>
-            </a:r>
-            <a:r>
-              <a:rPr lang="en-US" err="1"/>
-              <a:t>trung</a:t>
-            </a:r>
-            <a:r>
-              <a:rPr lang="en-US"/>
-              <a:t> </a:t>
-            </a:r>
-            <a:r>
-              <a:rPr lang="en-US" err="1"/>
-              <a:t>bình</a:t>
-            </a:r>
-            <a:r>
-              <a:rPr lang="en-US"/>
-              <a:t> </a:t>
-            </a:r>
-            <a:r>
-              <a:rPr lang="en-US" err="1"/>
-              <a:t>trên</a:t>
-            </a:r>
-            <a:r>
-              <a:rPr lang="en-US"/>
-              <a:t> 100tr/m2 , các quận còn lai thì có giá dưới 80tr/m2</a:t>
-            </a:r>
+            <a:endParaRPr lang="en-US"/>
           </a:p>
         </p:txBody>
       </p:sp>
@@ -876,7 +701,7 @@
           <a:p>
             <a:fld id="{C474D4A1-C440-4CA6-B3F3-A8FB18A8DE4E}" type="slidenum">
               <a:rPr lang="en-US" smtClean="0"/>
-              <a:t>16</a:t>
+              <a:t>15</a:t>
             </a:fld>
             <a:endParaRPr lang="en-US"/>
           </a:p>
@@ -885,7 +710,7 @@
     </p:spTree>
     <p:extLst>
       <p:ext uri="{BB962C8B-B14F-4D97-AF65-F5344CB8AC3E}">
-        <p14:creationId xmlns:p14="http://schemas.microsoft.com/office/powerpoint/2010/main" val="2651227155"/>
+        <p14:creationId xmlns:p14="http://schemas.microsoft.com/office/powerpoint/2010/main" val="3485224450"/>
       </p:ext>
     </p:extLst>
   </p:cSld>
@@ -939,270 +764,7 @@
           <a:bodyPr/>
           <a:lstStyle/>
           <a:p>
-            <a:r>
-              <a:rPr lang="en-US" err="1"/>
-              <a:t>Về</a:t>
-            </a:r>
-            <a:r>
-              <a:rPr lang="en-US"/>
-              <a:t> </a:t>
-            </a:r>
-            <a:r>
-              <a:rPr lang="en-US" err="1"/>
-              <a:t>bán</a:t>
-            </a:r>
-            <a:r>
-              <a:rPr lang="en-US"/>
-              <a:t> </a:t>
-            </a:r>
-            <a:r>
-              <a:rPr lang="en-US" err="1"/>
-              <a:t>đất</a:t>
-            </a:r>
-            <a:r>
-              <a:rPr lang="en-US"/>
-              <a:t> </a:t>
-            </a:r>
-            <a:r>
-              <a:rPr lang="en-US" err="1"/>
-              <a:t>thì</a:t>
-            </a:r>
-            <a:r>
-              <a:rPr lang="en-US"/>
-              <a:t> , </a:t>
-            </a:r>
-            <a:r>
-              <a:rPr lang="en-US" err="1"/>
-              <a:t>đa</a:t>
-            </a:r>
-            <a:r>
-              <a:rPr lang="en-US"/>
-              <a:t> </a:t>
-            </a:r>
-            <a:r>
-              <a:rPr lang="en-US" err="1"/>
-              <a:t>phần</a:t>
-            </a:r>
-            <a:r>
-              <a:rPr lang="en-US"/>
-              <a:t> </a:t>
-            </a:r>
-            <a:r>
-              <a:rPr lang="en-US" err="1"/>
-              <a:t>đất</a:t>
-            </a:r>
-            <a:r>
-              <a:rPr lang="en-US"/>
-              <a:t> </a:t>
-            </a:r>
-            <a:r>
-              <a:rPr lang="en-US" err="1"/>
-              <a:t>được</a:t>
-            </a:r>
-            <a:r>
-              <a:rPr lang="en-US"/>
-              <a:t> </a:t>
-            </a:r>
-            <a:r>
-              <a:rPr lang="en-US" err="1"/>
-              <a:t>bán</a:t>
-            </a:r>
-            <a:r>
-              <a:rPr lang="en-US"/>
-              <a:t>  </a:t>
-            </a:r>
-            <a:r>
-              <a:rPr lang="en-US" err="1"/>
-              <a:t>nhìu</a:t>
-            </a:r>
-            <a:r>
-              <a:rPr lang="en-US"/>
-              <a:t> ở </a:t>
-            </a:r>
-            <a:r>
-              <a:rPr lang="en-US" err="1"/>
-              <a:t>các</a:t>
-            </a:r>
-            <a:r>
-              <a:rPr lang="en-US"/>
-              <a:t> </a:t>
-            </a:r>
-            <a:r>
-              <a:rPr lang="en-US" err="1"/>
-              <a:t>tỉnh</a:t>
-            </a:r>
-            <a:r>
-              <a:rPr lang="en-US"/>
-              <a:t> </a:t>
-            </a:r>
-            <a:r>
-              <a:rPr lang="en-US" err="1"/>
-              <a:t>ngoại</a:t>
-            </a:r>
-            <a:r>
-              <a:rPr lang="en-US"/>
-              <a:t> </a:t>
-            </a:r>
-            <a:r>
-              <a:rPr lang="en-US" err="1"/>
-              <a:t>thành</a:t>
-            </a:r>
-            <a:r>
-              <a:rPr lang="en-US"/>
-              <a:t> </a:t>
-            </a:r>
-            <a:r>
-              <a:rPr lang="en-US" err="1"/>
-              <a:t>như</a:t>
-            </a:r>
-            <a:r>
-              <a:rPr lang="en-US"/>
-              <a:t> </a:t>
-            </a:r>
-            <a:r>
-              <a:rPr lang="en-US" err="1"/>
-              <a:t>thủ</a:t>
-            </a:r>
-            <a:r>
-              <a:rPr lang="en-US"/>
-              <a:t> </a:t>
-            </a:r>
-            <a:r>
-              <a:rPr lang="en-US" err="1"/>
-              <a:t>đức</a:t>
-            </a:r>
-            <a:r>
-              <a:rPr lang="en-US"/>
-              <a:t> </a:t>
-            </a:r>
-            <a:r>
-              <a:rPr lang="en-US" err="1"/>
-              <a:t>củ</a:t>
-            </a:r>
-            <a:r>
-              <a:rPr lang="en-US"/>
-              <a:t> chi </a:t>
-            </a:r>
-            <a:r>
-              <a:rPr lang="en-US" err="1"/>
-              <a:t>và</a:t>
-            </a:r>
-            <a:r>
-              <a:rPr lang="en-US"/>
-              <a:t> </a:t>
-            </a:r>
-            <a:r>
-              <a:rPr lang="en-US" err="1"/>
-              <a:t>quận</a:t>
-            </a:r>
-            <a:r>
-              <a:rPr lang="en-US"/>
-              <a:t> 12, </a:t>
-            </a:r>
-            <a:r>
-              <a:rPr lang="en-US" err="1"/>
-              <a:t>quận</a:t>
-            </a:r>
-            <a:r>
-              <a:rPr lang="en-US"/>
-              <a:t> 7 </a:t>
-            </a:r>
-            <a:r>
-              <a:rPr lang="en-US" err="1"/>
-              <a:t>vì</a:t>
-            </a:r>
-            <a:r>
-              <a:rPr lang="en-US"/>
-              <a:t> </a:t>
-            </a:r>
-            <a:r>
-              <a:rPr lang="en-US" err="1"/>
-              <a:t>đa</a:t>
-            </a:r>
-            <a:r>
-              <a:rPr lang="en-US"/>
-              <a:t> </a:t>
-            </a:r>
-            <a:r>
-              <a:rPr lang="en-US" err="1"/>
-              <a:t>phần</a:t>
-            </a:r>
-            <a:r>
-              <a:rPr lang="en-US"/>
-              <a:t> </a:t>
-            </a:r>
-            <a:r>
-              <a:rPr lang="en-US" err="1"/>
-              <a:t>các</a:t>
-            </a:r>
-            <a:r>
-              <a:rPr lang="en-US"/>
-              <a:t> </a:t>
-            </a:r>
-            <a:r>
-              <a:rPr lang="en-US" err="1"/>
-              <a:t>quận</a:t>
-            </a:r>
-            <a:r>
-              <a:rPr lang="en-US"/>
-              <a:t> </a:t>
-            </a:r>
-            <a:r>
-              <a:rPr lang="en-US" err="1"/>
-              <a:t>trung</a:t>
-            </a:r>
-            <a:r>
-              <a:rPr lang="en-US"/>
-              <a:t> </a:t>
-            </a:r>
-            <a:r>
-              <a:rPr lang="en-US" err="1"/>
-              <a:t>tâm</a:t>
-            </a:r>
-            <a:r>
-              <a:rPr lang="en-US"/>
-              <a:t> </a:t>
-            </a:r>
-            <a:r>
-              <a:rPr lang="en-US" err="1"/>
-              <a:t>không</a:t>
-            </a:r>
-            <a:r>
-              <a:rPr lang="en-US"/>
-              <a:t> </a:t>
-            </a:r>
-            <a:r>
-              <a:rPr lang="en-US" err="1"/>
-              <a:t>còn</a:t>
-            </a:r>
-            <a:r>
-              <a:rPr lang="en-US"/>
-              <a:t> </a:t>
-            </a:r>
-            <a:r>
-              <a:rPr lang="en-US" err="1"/>
-              <a:t>đất</a:t>
-            </a:r>
-            <a:r>
-              <a:rPr lang="en-US"/>
-              <a:t> </a:t>
-            </a:r>
-            <a:r>
-              <a:rPr lang="en-US" err="1"/>
-              <a:t>để</a:t>
-            </a:r>
-            <a:r>
-              <a:rPr lang="en-US"/>
-              <a:t> </a:t>
-            </a:r>
-            <a:r>
-              <a:rPr lang="en-US" err="1"/>
-              <a:t>bán</a:t>
-            </a:r>
-            <a:r>
-              <a:rPr lang="en-US"/>
-              <a:t>.</a:t>
-            </a:r>
+            <a:endParaRPr lang="en-US"/>
           </a:p>
         </p:txBody>
       </p:sp>
@@ -1223,7 +785,7 @@
           <a:p>
             <a:fld id="{C474D4A1-C440-4CA6-B3F3-A8FB18A8DE4E}" type="slidenum">
               <a:rPr lang="en-US" smtClean="0"/>
-              <a:t>18</a:t>
+              <a:t>16</a:t>
             </a:fld>
             <a:endParaRPr lang="en-US"/>
           </a:p>
@@ -1232,7 +794,7 @@
     </p:spTree>
     <p:extLst>
       <p:ext uri="{BB962C8B-B14F-4D97-AF65-F5344CB8AC3E}">
-        <p14:creationId xmlns:p14="http://schemas.microsoft.com/office/powerpoint/2010/main" val="2488593656"/>
+        <p14:creationId xmlns:p14="http://schemas.microsoft.com/office/powerpoint/2010/main" val="2651227155"/>
       </p:ext>
     </p:extLst>
   </p:cSld>
@@ -1286,94 +848,7 @@
           <a:bodyPr/>
           <a:lstStyle/>
           <a:p>
-            <a:r>
-              <a:rPr lang="en-US" err="1"/>
-              <a:t>Các</a:t>
-            </a:r>
-            <a:r>
-              <a:rPr lang="en-US"/>
-              <a:t> </a:t>
-            </a:r>
-            <a:r>
-              <a:rPr lang="en-US" err="1"/>
-              <a:t>diện</a:t>
-            </a:r>
-            <a:r>
-              <a:rPr lang="en-US"/>
-              <a:t> </a:t>
-            </a:r>
-            <a:r>
-              <a:rPr lang="en-US" err="1"/>
-              <a:t>tích</a:t>
-            </a:r>
-            <a:r>
-              <a:rPr lang="en-US"/>
-              <a:t>, </a:t>
-            </a:r>
-            <a:r>
-              <a:rPr lang="en-US" err="1"/>
-              <a:t>phân</a:t>
-            </a:r>
-            <a:r>
-              <a:rPr lang="en-US"/>
-              <a:t> </a:t>
-            </a:r>
-            <a:r>
-              <a:rPr lang="en-US" err="1"/>
-              <a:t>khúc</a:t>
-            </a:r>
-            <a:r>
-              <a:rPr lang="en-US"/>
-              <a:t> </a:t>
-            </a:r>
-            <a:r>
-              <a:rPr lang="en-US" err="1"/>
-              <a:t>được</a:t>
-            </a:r>
-            <a:r>
-              <a:rPr lang="en-US"/>
-              <a:t> </a:t>
-            </a:r>
-            <a:r>
-              <a:rPr lang="en-US" err="1"/>
-              <a:t>bán</a:t>
-            </a:r>
-            <a:r>
-              <a:rPr lang="en-US"/>
-              <a:t> </a:t>
-            </a:r>
-            <a:r>
-              <a:rPr lang="en-US" err="1"/>
-              <a:t>nhiều</a:t>
-            </a:r>
-            <a:r>
-              <a:rPr lang="en-US"/>
-              <a:t> </a:t>
-            </a:r>
-            <a:r>
-              <a:rPr lang="en-US" err="1"/>
-              <a:t>nhất</a:t>
-            </a:r>
-            <a:r>
-              <a:rPr lang="en-US"/>
-              <a:t> </a:t>
-            </a:r>
-            <a:r>
-              <a:rPr lang="en-US" err="1"/>
-              <a:t>là</a:t>
-            </a:r>
-            <a:r>
-              <a:rPr lang="en-US"/>
-              <a:t> </a:t>
-            </a:r>
-            <a:r>
-              <a:rPr lang="en-US" err="1"/>
-              <a:t>từ</a:t>
-            </a:r>
-            <a:r>
-              <a:rPr lang="en-US"/>
-              <a:t> 80-100m2</a:t>
-            </a:r>
+            <a:endParaRPr lang="en-US"/>
           </a:p>
         </p:txBody>
       </p:sp>
@@ -1394,7 +869,7 @@
           <a:p>
             <a:fld id="{C474D4A1-C440-4CA6-B3F3-A8FB18A8DE4E}" type="slidenum">
               <a:rPr lang="en-US" smtClean="0"/>
-              <a:t>19</a:t>
+              <a:t>18</a:t>
             </a:fld>
             <a:endParaRPr lang="en-US"/>
           </a:p>
@@ -1403,7 +878,7 @@
     </p:spTree>
     <p:extLst>
       <p:ext uri="{BB962C8B-B14F-4D97-AF65-F5344CB8AC3E}">
-        <p14:creationId xmlns:p14="http://schemas.microsoft.com/office/powerpoint/2010/main" val="3151474351"/>
+        <p14:creationId xmlns:p14="http://schemas.microsoft.com/office/powerpoint/2010/main" val="2488593656"/>
       </p:ext>
     </p:extLst>
   </p:cSld>
@@ -1457,174 +932,7 @@
           <a:bodyPr/>
           <a:lstStyle/>
           <a:p>
-            <a:r>
-              <a:rPr lang="en-US" err="1"/>
-              <a:t>Về</a:t>
-            </a:r>
-            <a:r>
-              <a:rPr lang="en-US"/>
-              <a:t> </a:t>
-            </a:r>
-            <a:r>
-              <a:rPr lang="en-US" err="1"/>
-              <a:t>giá</a:t>
-            </a:r>
-            <a:r>
-              <a:rPr lang="en-US"/>
-              <a:t> </a:t>
-            </a:r>
-            <a:r>
-              <a:rPr lang="en-US" err="1"/>
-              <a:t>đất</a:t>
-            </a:r>
-            <a:r>
-              <a:rPr lang="en-US"/>
-              <a:t> </a:t>
-            </a:r>
-            <a:r>
-              <a:rPr lang="en-US" err="1"/>
-              <a:t>thì</a:t>
-            </a:r>
-            <a:r>
-              <a:rPr lang="en-US"/>
-              <a:t>, </a:t>
-            </a:r>
-            <a:r>
-              <a:rPr lang="en-US" err="1"/>
-              <a:t>các</a:t>
-            </a:r>
-            <a:r>
-              <a:rPr lang="en-US"/>
-              <a:t> </a:t>
-            </a:r>
-            <a:r>
-              <a:rPr lang="en-US" err="1"/>
-              <a:t>nơi</a:t>
-            </a:r>
-            <a:r>
-              <a:rPr lang="en-US"/>
-              <a:t> </a:t>
-            </a:r>
-            <a:r>
-              <a:rPr lang="en-US" err="1"/>
-              <a:t>có</a:t>
-            </a:r>
-            <a:r>
-              <a:rPr lang="en-US"/>
-              <a:t> </a:t>
-            </a:r>
-            <a:r>
-              <a:rPr lang="en-US" err="1"/>
-              <a:t>số</a:t>
-            </a:r>
-            <a:r>
-              <a:rPr lang="en-US"/>
-              <a:t> </a:t>
-            </a:r>
-            <a:r>
-              <a:rPr lang="en-US" err="1"/>
-              <a:t>lượng</a:t>
-            </a:r>
-            <a:r>
-              <a:rPr lang="en-US"/>
-              <a:t> </a:t>
-            </a:r>
-            <a:r>
-              <a:rPr lang="en-US" err="1"/>
-              <a:t>bán</a:t>
-            </a:r>
-            <a:r>
-              <a:rPr lang="en-US"/>
-              <a:t> </a:t>
-            </a:r>
-            <a:r>
-              <a:rPr lang="en-US" err="1"/>
-              <a:t>đất</a:t>
-            </a:r>
-            <a:r>
-              <a:rPr lang="en-US"/>
-              <a:t> </a:t>
-            </a:r>
-            <a:r>
-              <a:rPr lang="en-US" err="1"/>
-              <a:t>nhiều</a:t>
-            </a:r>
-            <a:r>
-              <a:rPr lang="en-US"/>
-              <a:t> </a:t>
-            </a:r>
-            <a:r>
-              <a:rPr lang="en-US" err="1"/>
-              <a:t>thì</a:t>
-            </a:r>
-            <a:r>
-              <a:rPr lang="en-US"/>
-              <a:t> </a:t>
-            </a:r>
-            <a:r>
-              <a:rPr lang="en-US" err="1"/>
-              <a:t>có</a:t>
-            </a:r>
-            <a:r>
-              <a:rPr lang="en-US"/>
-              <a:t> </a:t>
-            </a:r>
-            <a:r>
-              <a:rPr lang="en-US" err="1"/>
-              <a:t>giá</a:t>
-            </a:r>
-            <a:r>
-              <a:rPr lang="en-US"/>
-              <a:t> </a:t>
-            </a:r>
-            <a:r>
-              <a:rPr lang="en-US" err="1"/>
-              <a:t>khá</a:t>
-            </a:r>
-            <a:r>
-              <a:rPr lang="en-US"/>
-              <a:t> </a:t>
-            </a:r>
-            <a:r>
-              <a:rPr lang="en-US" err="1"/>
-              <a:t>thấp</a:t>
-            </a:r>
-            <a:r>
-              <a:rPr lang="en-US"/>
-              <a:t> </a:t>
-            </a:r>
-            <a:r>
-              <a:rPr lang="en-US" err="1"/>
-              <a:t>như</a:t>
-            </a:r>
-            <a:r>
-              <a:rPr lang="en-US"/>
-              <a:t> </a:t>
-            </a:r>
-            <a:r>
-              <a:rPr lang="en-US" err="1"/>
-              <a:t>Củ</a:t>
-            </a:r>
-            <a:r>
-              <a:rPr lang="en-US"/>
-              <a:t> chi </a:t>
-            </a:r>
-            <a:r>
-              <a:rPr lang="en-US" err="1"/>
-              <a:t>và</a:t>
-            </a:r>
-            <a:r>
-              <a:rPr lang="en-US"/>
-              <a:t> </a:t>
-            </a:r>
-            <a:r>
-              <a:rPr lang="en-US" err="1"/>
-              <a:t>quận</a:t>
-            </a:r>
-            <a:r>
-              <a:rPr lang="en-US"/>
-              <a:t> 12 và thành phố thủ đức</a:t>
-            </a:r>
+            <a:endParaRPr lang="en-US"/>
           </a:p>
         </p:txBody>
       </p:sp>
@@ -1645,7 +953,7 @@
           <a:p>
             <a:fld id="{C474D4A1-C440-4CA6-B3F3-A8FB18A8DE4E}" type="slidenum">
               <a:rPr lang="en-US" smtClean="0"/>
-              <a:t>20</a:t>
+              <a:t>19</a:t>
             </a:fld>
             <a:endParaRPr lang="en-US"/>
           </a:p>
@@ -1654,7 +962,7 @@
     </p:spTree>
     <p:extLst>
       <p:ext uri="{BB962C8B-B14F-4D97-AF65-F5344CB8AC3E}">
-        <p14:creationId xmlns:p14="http://schemas.microsoft.com/office/powerpoint/2010/main" val="2894875988"/>
+        <p14:creationId xmlns:p14="http://schemas.microsoft.com/office/powerpoint/2010/main" val="3151474351"/>
       </p:ext>
     </p:extLst>
   </p:cSld>
@@ -1708,246 +1016,7 @@
           <a:bodyPr/>
           <a:lstStyle/>
           <a:p>
-            <a:r>
-              <a:rPr lang="en-US" err="1"/>
-              <a:t>Về</a:t>
-            </a:r>
-            <a:r>
-              <a:rPr lang="en-US"/>
-              <a:t> </a:t>
-            </a:r>
-            <a:r>
-              <a:rPr lang="en-US" err="1"/>
-              <a:t>số</a:t>
-            </a:r>
-            <a:r>
-              <a:rPr lang="en-US"/>
-              <a:t> tin </a:t>
-            </a:r>
-            <a:r>
-              <a:rPr lang="en-US" err="1"/>
-              <a:t>đăng</a:t>
-            </a:r>
-            <a:r>
-              <a:rPr lang="en-US"/>
-              <a:t> </a:t>
-            </a:r>
-            <a:r>
-              <a:rPr lang="en-US" err="1"/>
-              <a:t>bán</a:t>
-            </a:r>
-            <a:r>
-              <a:rPr lang="en-US"/>
-              <a:t> </a:t>
-            </a:r>
-            <a:r>
-              <a:rPr lang="en-US" err="1"/>
-              <a:t>nhìn</a:t>
-            </a:r>
-            <a:r>
-              <a:rPr lang="en-US"/>
-              <a:t> </a:t>
-            </a:r>
-            <a:r>
-              <a:rPr lang="en-US" err="1"/>
-              <a:t>biểu</a:t>
-            </a:r>
-            <a:r>
-              <a:rPr lang="en-US"/>
-              <a:t> </a:t>
-            </a:r>
-            <a:r>
-              <a:rPr lang="en-US" err="1"/>
-              <a:t>đồ</a:t>
-            </a:r>
-            <a:r>
-              <a:rPr lang="en-US"/>
-              <a:t> </a:t>
-            </a:r>
-            <a:r>
-              <a:rPr lang="en-US" err="1"/>
-              <a:t>có</a:t>
-            </a:r>
-            <a:r>
-              <a:rPr lang="en-US"/>
-              <a:t> </a:t>
-            </a:r>
-            <a:r>
-              <a:rPr lang="en-US" err="1"/>
-              <a:t>thể</a:t>
-            </a:r>
-            <a:r>
-              <a:rPr lang="en-US"/>
-              <a:t> </a:t>
-            </a:r>
-            <a:r>
-              <a:rPr lang="en-US" err="1"/>
-              <a:t>thấy</a:t>
-            </a:r>
-            <a:r>
-              <a:rPr lang="en-US"/>
-              <a:t> </a:t>
-            </a:r>
-            <a:r>
-              <a:rPr lang="en-US" err="1"/>
-              <a:t>đa</a:t>
-            </a:r>
-            <a:r>
-              <a:rPr lang="en-US"/>
-              <a:t> </a:t>
-            </a:r>
-            <a:r>
-              <a:rPr lang="en-US" err="1"/>
-              <a:t>phần</a:t>
-            </a:r>
-            <a:r>
-              <a:rPr lang="en-US"/>
-              <a:t> </a:t>
-            </a:r>
-            <a:r>
-              <a:rPr lang="en-US" err="1"/>
-              <a:t>đường</a:t>
-            </a:r>
-            <a:r>
-              <a:rPr lang="en-US"/>
-              <a:t> line chart Hà </a:t>
-            </a:r>
-            <a:r>
-              <a:rPr lang="en-US" err="1"/>
-              <a:t>Nội</a:t>
-            </a:r>
-            <a:r>
-              <a:rPr lang="en-US"/>
-              <a:t> </a:t>
-            </a:r>
-            <a:r>
-              <a:rPr lang="en-US" err="1"/>
-              <a:t>nằm</a:t>
-            </a:r>
-            <a:r>
-              <a:rPr lang="en-US"/>
-              <a:t> </a:t>
-            </a:r>
-            <a:r>
-              <a:rPr lang="en-US" err="1"/>
-              <a:t>trên</a:t>
-            </a:r>
-            <a:r>
-              <a:rPr lang="en-US"/>
-              <a:t> so  </a:t>
-            </a:r>
-            <a:r>
-              <a:rPr lang="en-US" err="1"/>
-              <a:t>với</a:t>
-            </a:r>
-            <a:r>
-              <a:rPr lang="en-US"/>
-              <a:t> </a:t>
-            </a:r>
-            <a:r>
-              <a:rPr lang="en-US" err="1"/>
-              <a:t>thành</a:t>
-            </a:r>
-            <a:r>
-              <a:rPr lang="en-US"/>
-              <a:t> </a:t>
-            </a:r>
-            <a:r>
-              <a:rPr lang="en-US" err="1"/>
-              <a:t>phố</a:t>
-            </a:r>
-            <a:r>
-              <a:rPr lang="en-US"/>
-              <a:t> HCM =&gt; </a:t>
-            </a:r>
-            <a:r>
-              <a:rPr lang="en-US" err="1"/>
-              <a:t>cỏ</a:t>
-            </a:r>
-            <a:r>
-              <a:rPr lang="en-US"/>
-              <a:t> </a:t>
-            </a:r>
-            <a:r>
-              <a:rPr lang="en-US" err="1"/>
-              <a:t>vẻ</a:t>
-            </a:r>
-            <a:r>
-              <a:rPr lang="en-US"/>
-              <a:t> </a:t>
-            </a:r>
-            <a:r>
-              <a:rPr lang="en-US" err="1"/>
-              <a:t>việc</a:t>
-            </a:r>
-            <a:r>
-              <a:rPr lang="en-US"/>
-              <a:t> </a:t>
-            </a:r>
-            <a:r>
-              <a:rPr lang="en-US" err="1"/>
-              <a:t>nguồn</a:t>
-            </a:r>
-            <a:r>
-              <a:rPr lang="en-US"/>
-              <a:t> </a:t>
-            </a:r>
-            <a:r>
-              <a:rPr lang="en-US" err="1"/>
-              <a:t>cung</a:t>
-            </a:r>
-            <a:r>
-              <a:rPr lang="en-US"/>
-              <a:t> </a:t>
-            </a:r>
-            <a:r>
-              <a:rPr lang="en-US" err="1"/>
-              <a:t>hà</a:t>
-            </a:r>
-            <a:r>
-              <a:rPr lang="en-US"/>
-              <a:t> </a:t>
-            </a:r>
-            <a:r>
-              <a:rPr lang="en-US" err="1"/>
-              <a:t>nội</a:t>
-            </a:r>
-            <a:r>
-              <a:rPr lang="en-US"/>
-              <a:t> </a:t>
-            </a:r>
-            <a:r>
-              <a:rPr lang="en-US" err="1"/>
-              <a:t>đang</a:t>
-            </a:r>
-            <a:r>
-              <a:rPr lang="en-US"/>
-              <a:t> </a:t>
-            </a:r>
-            <a:r>
-              <a:rPr lang="en-US" err="1"/>
-              <a:t>nhiều</a:t>
-            </a:r>
-            <a:r>
-              <a:rPr lang="en-US"/>
-              <a:t> </a:t>
-            </a:r>
-            <a:r>
-              <a:rPr lang="en-US" err="1"/>
-              <a:t>hơn</a:t>
-            </a:r>
-            <a:r>
-              <a:rPr lang="en-US"/>
-              <a:t> so </a:t>
-            </a:r>
-            <a:r>
-              <a:rPr lang="en-US" err="1"/>
-              <a:t>với</a:t>
-            </a:r>
-            <a:r>
-              <a:rPr lang="en-US"/>
-              <a:t> HCM</a:t>
-            </a:r>
+            <a:endParaRPr lang="en-US"/>
           </a:p>
         </p:txBody>
       </p:sp>
@@ -1968,7 +1037,7 @@
           <a:p>
             <a:fld id="{C474D4A1-C440-4CA6-B3F3-A8FB18A8DE4E}" type="slidenum">
               <a:rPr lang="en-US" smtClean="0"/>
-              <a:t>23</a:t>
+              <a:t>20</a:t>
             </a:fld>
             <a:endParaRPr lang="en-US"/>
           </a:p>
@@ -1977,7 +1046,7 @@
     </p:spTree>
     <p:extLst>
       <p:ext uri="{BB962C8B-B14F-4D97-AF65-F5344CB8AC3E}">
-        <p14:creationId xmlns:p14="http://schemas.microsoft.com/office/powerpoint/2010/main" val="2772772398"/>
+        <p14:creationId xmlns:p14="http://schemas.microsoft.com/office/powerpoint/2010/main" val="2894875988"/>
       </p:ext>
     </p:extLst>
   </p:cSld>
@@ -2031,94 +1100,7 @@
           <a:bodyPr/>
           <a:lstStyle/>
           <a:p>
-            <a:r>
-              <a:rPr lang="en-US" err="1"/>
-              <a:t>Còn</a:t>
-            </a:r>
-            <a:r>
-              <a:rPr lang="en-US"/>
-              <a:t> </a:t>
-            </a:r>
-            <a:r>
-              <a:rPr lang="en-US" err="1"/>
-              <a:t>về</a:t>
-            </a:r>
-            <a:r>
-              <a:rPr lang="en-US"/>
-              <a:t> </a:t>
-            </a:r>
-            <a:r>
-              <a:rPr lang="en-US" err="1"/>
-              <a:t>cho</a:t>
-            </a:r>
-            <a:r>
-              <a:rPr lang="en-US"/>
-              <a:t> </a:t>
-            </a:r>
-            <a:r>
-              <a:rPr lang="en-US" err="1"/>
-              <a:t>thuê</a:t>
-            </a:r>
-            <a:r>
-              <a:rPr lang="en-US"/>
-              <a:t> </a:t>
-            </a:r>
-            <a:r>
-              <a:rPr lang="en-US" err="1"/>
-              <a:t>thì</a:t>
-            </a:r>
-            <a:r>
-              <a:rPr lang="en-US"/>
-              <a:t> </a:t>
-            </a:r>
-            <a:r>
-              <a:rPr lang="en-US" err="1"/>
-              <a:t>người</a:t>
-            </a:r>
-            <a:r>
-              <a:rPr lang="en-US"/>
-              <a:t> </a:t>
-            </a:r>
-            <a:r>
-              <a:rPr lang="en-US" err="1"/>
-              <a:t>lại</a:t>
-            </a:r>
-            <a:r>
-              <a:rPr lang="en-US"/>
-              <a:t>, </a:t>
-            </a:r>
-            <a:r>
-              <a:rPr lang="en-US" err="1"/>
-              <a:t>đường</a:t>
-            </a:r>
-            <a:r>
-              <a:rPr lang="en-US"/>
-              <a:t> line chart ở HCM </a:t>
-            </a:r>
-            <a:r>
-              <a:rPr lang="en-US" err="1"/>
-              <a:t>đang</a:t>
-            </a:r>
-            <a:r>
-              <a:rPr lang="en-US"/>
-              <a:t> </a:t>
-            </a:r>
-            <a:r>
-              <a:rPr lang="en-US" err="1"/>
-              <a:t>nhiều</a:t>
-            </a:r>
-            <a:r>
-              <a:rPr lang="en-US"/>
-              <a:t> </a:t>
-            </a:r>
-            <a:r>
-              <a:rPr lang="en-US" err="1"/>
-              <a:t>hơn</a:t>
-            </a:r>
-            <a:r>
-              <a:rPr lang="en-US"/>
-              <a:t> so vs HN</a:t>
-            </a:r>
+            <a:endParaRPr lang="en-US"/>
           </a:p>
         </p:txBody>
       </p:sp>
@@ -2139,7 +1121,7 @@
           <a:p>
             <a:fld id="{C474D4A1-C440-4CA6-B3F3-A8FB18A8DE4E}" type="slidenum">
               <a:rPr lang="en-US" smtClean="0"/>
-              <a:t>24</a:t>
+              <a:t>23</a:t>
             </a:fld>
             <a:endParaRPr lang="en-US"/>
           </a:p>
@@ -2148,7 +1130,7 @@
     </p:spTree>
     <p:extLst>
       <p:ext uri="{BB962C8B-B14F-4D97-AF65-F5344CB8AC3E}">
-        <p14:creationId xmlns:p14="http://schemas.microsoft.com/office/powerpoint/2010/main" val="1962552734"/>
+        <p14:creationId xmlns:p14="http://schemas.microsoft.com/office/powerpoint/2010/main" val="2772772398"/>
       </p:ext>
     </p:extLst>
   </p:cSld>
@@ -2202,294 +1184,7 @@
           <a:bodyPr/>
           <a:lstStyle/>
           <a:p>
-            <a:r>
-              <a:rPr lang="en-US" err="1"/>
-              <a:t>Đi</a:t>
-            </a:r>
-            <a:r>
-              <a:rPr lang="en-US"/>
-              <a:t> </a:t>
-            </a:r>
-            <a:r>
-              <a:rPr lang="en-US" err="1"/>
-              <a:t>sâu</a:t>
-            </a:r>
-            <a:r>
-              <a:rPr lang="en-US"/>
-              <a:t> </a:t>
-            </a:r>
-            <a:r>
-              <a:rPr lang="en-US" err="1"/>
-              <a:t>và</a:t>
-            </a:r>
-            <a:r>
-              <a:rPr lang="en-US"/>
-              <a:t> </a:t>
-            </a:r>
-            <a:r>
-              <a:rPr lang="en-US" err="1"/>
-              <a:t>từng</a:t>
-            </a:r>
-            <a:r>
-              <a:rPr lang="en-US"/>
-              <a:t> </a:t>
-            </a:r>
-            <a:r>
-              <a:rPr lang="en-US" err="1"/>
-              <a:t>loại</a:t>
-            </a:r>
-            <a:r>
-              <a:rPr lang="en-US"/>
-              <a:t> </a:t>
-            </a:r>
-            <a:r>
-              <a:rPr lang="en-US" err="1"/>
-              <a:t>bất</a:t>
-            </a:r>
-            <a:r>
-              <a:rPr lang="en-US"/>
-              <a:t> </a:t>
-            </a:r>
-            <a:r>
-              <a:rPr lang="en-US" err="1"/>
-              <a:t>động</a:t>
-            </a:r>
-            <a:r>
-              <a:rPr lang="en-US"/>
-              <a:t> </a:t>
-            </a:r>
-            <a:r>
-              <a:rPr lang="en-US" err="1"/>
-              <a:t>sản</a:t>
-            </a:r>
-            <a:r>
-              <a:rPr lang="en-US"/>
-              <a:t> </a:t>
-            </a:r>
-            <a:r>
-              <a:rPr lang="en-US" err="1"/>
-              <a:t>về</a:t>
-            </a:r>
-            <a:r>
-              <a:rPr lang="en-US"/>
-              <a:t> </a:t>
-            </a:r>
-            <a:r>
-              <a:rPr lang="en-US" err="1"/>
-              <a:t>như</a:t>
-            </a:r>
-            <a:r>
-              <a:rPr lang="en-US"/>
-              <a:t> </a:t>
-            </a:r>
-            <a:r>
-              <a:rPr lang="en-US" err="1"/>
-              <a:t>đã</a:t>
-            </a:r>
-            <a:r>
-              <a:rPr lang="en-US"/>
-              <a:t> </a:t>
-            </a:r>
-            <a:r>
-              <a:rPr lang="en-US" err="1"/>
-              <a:t>nói</a:t>
-            </a:r>
-            <a:r>
-              <a:rPr lang="en-US"/>
-              <a:t> </a:t>
-            </a:r>
-            <a:r>
-              <a:rPr lang="en-US" err="1"/>
-              <a:t>mua</a:t>
-            </a:r>
-            <a:r>
-              <a:rPr lang="en-US"/>
-              <a:t> </a:t>
-            </a:r>
-            <a:r>
-              <a:rPr lang="en-US" err="1"/>
-              <a:t>bán</a:t>
-            </a:r>
-            <a:r>
-              <a:rPr lang="en-US"/>
-              <a:t> ở </a:t>
-            </a:r>
-            <a:r>
-              <a:rPr lang="en-US" err="1"/>
-              <a:t>hà</a:t>
-            </a:r>
-            <a:r>
-              <a:rPr lang="en-US"/>
-              <a:t> </a:t>
-            </a:r>
-            <a:r>
-              <a:rPr lang="en-US" err="1"/>
-              <a:t>nội</a:t>
-            </a:r>
-            <a:r>
-              <a:rPr lang="en-US"/>
-              <a:t> </a:t>
-            </a:r>
-            <a:r>
-              <a:rPr lang="en-US" err="1"/>
-              <a:t>nhiều</a:t>
-            </a:r>
-            <a:r>
-              <a:rPr lang="en-US"/>
-              <a:t> </a:t>
-            </a:r>
-            <a:r>
-              <a:rPr lang="en-US" err="1"/>
-              <a:t>hơn</a:t>
-            </a:r>
-            <a:r>
-              <a:rPr lang="en-US"/>
-              <a:t> HCM =&gt; </a:t>
-            </a:r>
-            <a:r>
-              <a:rPr lang="en-US" err="1"/>
-              <a:t>các</a:t>
-            </a:r>
-            <a:r>
-              <a:rPr lang="en-US"/>
-              <a:t> </a:t>
-            </a:r>
-            <a:r>
-              <a:rPr lang="en-US" err="1"/>
-              <a:t>loại</a:t>
-            </a:r>
-            <a:r>
-              <a:rPr lang="en-US"/>
-              <a:t> </a:t>
-            </a:r>
-            <a:r>
-              <a:rPr lang="en-US" err="1"/>
-              <a:t>bất</a:t>
-            </a:r>
-            <a:r>
-              <a:rPr lang="en-US"/>
-              <a:t> </a:t>
-            </a:r>
-            <a:r>
-              <a:rPr lang="en-US" err="1"/>
-              <a:t>động</a:t>
-            </a:r>
-            <a:r>
-              <a:rPr lang="en-US"/>
-              <a:t> </a:t>
-            </a:r>
-            <a:r>
-              <a:rPr lang="en-US" err="1"/>
-              <a:t>sản</a:t>
-            </a:r>
-            <a:r>
-              <a:rPr lang="en-US"/>
-              <a:t> </a:t>
-            </a:r>
-            <a:r>
-              <a:rPr lang="en-US" err="1"/>
-              <a:t>bán</a:t>
-            </a:r>
-            <a:r>
-              <a:rPr lang="en-US"/>
-              <a:t> cũng </a:t>
-            </a:r>
-            <a:r>
-              <a:rPr lang="en-US" err="1"/>
-              <a:t>nhiều</a:t>
-            </a:r>
-            <a:r>
-              <a:rPr lang="en-US"/>
-              <a:t> </a:t>
-            </a:r>
-            <a:r>
-              <a:rPr lang="en-US" err="1"/>
-              <a:t>hơn</a:t>
-            </a:r>
-            <a:r>
-              <a:rPr lang="en-US"/>
-              <a:t> </a:t>
-            </a:r>
-            <a:r>
-              <a:rPr lang="en-US" err="1"/>
-              <a:t>thành</a:t>
-            </a:r>
-            <a:r>
-              <a:rPr lang="en-US"/>
-              <a:t> </a:t>
-            </a:r>
-            <a:r>
-              <a:rPr lang="en-US" err="1"/>
-              <a:t>phố</a:t>
-            </a:r>
-            <a:r>
-              <a:rPr lang="en-US"/>
-              <a:t> HCM. </a:t>
-            </a:r>
-            <a:r>
-              <a:rPr lang="en-US" err="1"/>
-              <a:t>Ngược</a:t>
-            </a:r>
-            <a:r>
-              <a:rPr lang="en-US"/>
-              <a:t> </a:t>
-            </a:r>
-            <a:r>
-              <a:rPr lang="en-US" err="1"/>
-              <a:t>lại</a:t>
-            </a:r>
-            <a:r>
-              <a:rPr lang="en-US"/>
-              <a:t>  </a:t>
-            </a:r>
-            <a:r>
-              <a:rPr lang="en-US" err="1"/>
-              <a:t>thì</a:t>
-            </a:r>
-            <a:r>
-              <a:rPr lang="en-US"/>
-              <a:t> </a:t>
-            </a:r>
-            <a:r>
-              <a:rPr lang="en-US" err="1"/>
-              <a:t>thuê</a:t>
-            </a:r>
-            <a:r>
-              <a:rPr lang="en-US"/>
-              <a:t> </a:t>
-            </a:r>
-            <a:r>
-              <a:rPr lang="en-US" err="1"/>
-              <a:t>lại</a:t>
-            </a:r>
-            <a:r>
-              <a:rPr lang="en-US"/>
-              <a:t> </a:t>
-            </a:r>
-            <a:r>
-              <a:rPr lang="en-US" err="1"/>
-              <a:t>nhiều</a:t>
-            </a:r>
-            <a:r>
-              <a:rPr lang="en-US"/>
-              <a:t> </a:t>
-            </a:r>
-            <a:r>
-              <a:rPr lang="en-US" err="1"/>
-              <a:t>hơn</a:t>
-            </a:r>
-            <a:r>
-              <a:rPr lang="en-US"/>
-              <a:t> ở Thành </a:t>
-            </a:r>
-            <a:r>
-              <a:rPr lang="en-US" err="1"/>
-              <a:t>phố</a:t>
-            </a:r>
-            <a:r>
-              <a:rPr lang="en-US"/>
-              <a:t> HCM. </a:t>
-            </a:r>
+            <a:endParaRPr lang="en-US"/>
           </a:p>
         </p:txBody>
       </p:sp>
@@ -2510,7 +1205,7 @@
           <a:p>
             <a:fld id="{C474D4A1-C440-4CA6-B3F3-A8FB18A8DE4E}" type="slidenum">
               <a:rPr lang="en-US" smtClean="0"/>
-              <a:t>25</a:t>
+              <a:t>24</a:t>
             </a:fld>
             <a:endParaRPr lang="en-US"/>
           </a:p>
@@ -2519,7 +1214,7 @@
     </p:spTree>
     <p:extLst>
       <p:ext uri="{BB962C8B-B14F-4D97-AF65-F5344CB8AC3E}">
-        <p14:creationId xmlns:p14="http://schemas.microsoft.com/office/powerpoint/2010/main" val="3018154142"/>
+        <p14:creationId xmlns:p14="http://schemas.microsoft.com/office/powerpoint/2010/main" val="1962552734"/>
       </p:ext>
     </p:extLst>
   </p:cSld>
@@ -2573,190 +1268,6 @@
           <a:bodyPr/>
           <a:lstStyle/>
           <a:p>
-            <a:r>
-              <a:rPr lang="en-US"/>
-              <a:t>HCM </a:t>
-            </a:r>
-            <a:r>
-              <a:rPr lang="en-US" err="1"/>
-              <a:t>Hơn</a:t>
-            </a:r>
-            <a:r>
-              <a:rPr lang="en-US"/>
-              <a:t> 50% tin </a:t>
-            </a:r>
-            <a:r>
-              <a:rPr lang="en-US" err="1"/>
-              <a:t>chung</a:t>
-            </a:r>
-            <a:r>
-              <a:rPr lang="en-US"/>
-              <a:t> </a:t>
-            </a:r>
-            <a:r>
-              <a:rPr lang="en-US" err="1"/>
-              <a:t>cư</a:t>
-            </a:r>
-            <a:r>
-              <a:rPr lang="en-US"/>
-              <a:t> </a:t>
-            </a:r>
-            <a:r>
-              <a:rPr lang="en-US" err="1"/>
-              <a:t>bán</a:t>
-            </a:r>
-            <a:r>
-              <a:rPr lang="en-US"/>
-              <a:t> ở </a:t>
-            </a:r>
-            <a:r>
-              <a:rPr lang="en-US" err="1"/>
-              <a:t>ngoại</a:t>
-            </a:r>
-            <a:r>
-              <a:rPr lang="en-US"/>
-              <a:t> </a:t>
-            </a:r>
-            <a:r>
-              <a:rPr lang="en-US" err="1"/>
-              <a:t>thành</a:t>
-            </a:r>
-            <a:r>
-              <a:rPr lang="en-US"/>
-              <a:t> ,  </a:t>
-            </a:r>
-            <a:r>
-              <a:rPr lang="en-US" err="1"/>
-              <a:t>còn</a:t>
-            </a:r>
-            <a:r>
-              <a:rPr lang="en-US"/>
-              <a:t>  ở HN </a:t>
-            </a:r>
-            <a:r>
-              <a:rPr lang="en-US" err="1"/>
-              <a:t>các</a:t>
-            </a:r>
-            <a:r>
-              <a:rPr lang="en-US"/>
-              <a:t> </a:t>
-            </a:r>
-            <a:r>
-              <a:rPr lang="en-US" err="1"/>
-              <a:t>quận</a:t>
-            </a:r>
-            <a:r>
-              <a:rPr lang="en-US"/>
-              <a:t> </a:t>
-            </a:r>
-            <a:r>
-              <a:rPr lang="en-US" err="1"/>
-              <a:t>nội</a:t>
-            </a:r>
-            <a:r>
-              <a:rPr lang="en-US"/>
-              <a:t> </a:t>
-            </a:r>
-            <a:r>
-              <a:rPr lang="en-US" err="1"/>
-              <a:t>thành</a:t>
-            </a:r>
-            <a:r>
-              <a:rPr lang="en-US"/>
-              <a:t>  </a:t>
-            </a:r>
-            <a:r>
-              <a:rPr lang="en-US" err="1"/>
-              <a:t>vẫn</a:t>
-            </a:r>
-            <a:r>
-              <a:rPr lang="en-US"/>
-              <a:t> </a:t>
-            </a:r>
-            <a:r>
-              <a:rPr lang="en-US" err="1"/>
-              <a:t>có</a:t>
-            </a:r>
-            <a:r>
-              <a:rPr lang="en-US"/>
-              <a:t> tin </a:t>
-            </a:r>
-            <a:r>
-              <a:rPr lang="en-US" err="1"/>
-              <a:t>bán</a:t>
-            </a:r>
-            <a:r>
-              <a:rPr lang="en-US"/>
-              <a:t> </a:t>
-            </a:r>
-            <a:r>
-              <a:rPr lang="en-US" err="1"/>
-              <a:t>chung</a:t>
-            </a:r>
-            <a:r>
-              <a:rPr lang="en-US"/>
-              <a:t> </a:t>
-            </a:r>
-            <a:r>
-              <a:rPr lang="en-US" err="1"/>
-              <a:t>cư</a:t>
-            </a:r>
-            <a:r>
-              <a:rPr lang="en-US"/>
-              <a:t> </a:t>
-            </a:r>
-            <a:r>
-              <a:rPr lang="en-US" err="1"/>
-              <a:t>vẫn</a:t>
-            </a:r>
-            <a:r>
-              <a:rPr lang="en-US"/>
-              <a:t> </a:t>
-            </a:r>
-            <a:r>
-              <a:rPr lang="en-US" err="1"/>
-              <a:t>nhiều</a:t>
-            </a:r>
-            <a:r>
-              <a:rPr lang="en-US"/>
-              <a:t> </a:t>
-            </a:r>
-            <a:r>
-              <a:rPr lang="en-US" err="1"/>
-              <a:t>như</a:t>
-            </a:r>
-            <a:r>
-              <a:rPr lang="en-US"/>
-              <a:t> </a:t>
-            </a:r>
-            <a:r>
-              <a:rPr lang="en-US" err="1"/>
-              <a:t>cầu</a:t>
-            </a:r>
-            <a:r>
-              <a:rPr lang="en-US"/>
-              <a:t> </a:t>
-            </a:r>
-            <a:r>
-              <a:rPr lang="en-US" err="1"/>
-              <a:t>giấy</a:t>
-            </a:r>
-            <a:r>
-              <a:rPr lang="en-US"/>
-              <a:t>, </a:t>
-            </a:r>
-            <a:r>
-              <a:rPr lang="en-US" err="1"/>
-              <a:t>thanh</a:t>
-            </a:r>
-            <a:r>
-              <a:rPr lang="en-US"/>
-              <a:t> </a:t>
-            </a:r>
-            <a:r>
-              <a:rPr lang="en-US" err="1"/>
-              <a:t>xuân</a:t>
-            </a:r>
             <a:endParaRPr lang="en-US"/>
           </a:p>
         </p:txBody>
@@ -2778,7 +1289,7 @@
           <a:p>
             <a:fld id="{C474D4A1-C440-4CA6-B3F3-A8FB18A8DE4E}" type="slidenum">
               <a:rPr lang="en-US" smtClean="0"/>
-              <a:t>27</a:t>
+              <a:t>25</a:t>
             </a:fld>
             <a:endParaRPr lang="en-US"/>
           </a:p>
@@ -2787,7 +1298,7 @@
     </p:spTree>
     <p:extLst>
       <p:ext uri="{BB962C8B-B14F-4D97-AF65-F5344CB8AC3E}">
-        <p14:creationId xmlns:p14="http://schemas.microsoft.com/office/powerpoint/2010/main" val="227136892"/>
+        <p14:creationId xmlns:p14="http://schemas.microsoft.com/office/powerpoint/2010/main" val="3018154142"/>
       </p:ext>
     </p:extLst>
   </p:cSld>
@@ -2841,314 +1352,7 @@
           <a:bodyPr/>
           <a:lstStyle/>
           <a:p>
-            <a:r>
-              <a:rPr lang="en-US"/>
-              <a:t>Ở </a:t>
-            </a:r>
-            <a:r>
-              <a:rPr lang="en-US" err="1"/>
-              <a:t>thành</a:t>
-            </a:r>
-            <a:r>
-              <a:rPr lang="en-US"/>
-              <a:t> </a:t>
-            </a:r>
-            <a:r>
-              <a:rPr lang="en-US" err="1"/>
-              <a:t>phố</a:t>
-            </a:r>
-            <a:r>
-              <a:rPr lang="en-US"/>
-              <a:t> HCM, </a:t>
-            </a:r>
-            <a:r>
-              <a:rPr lang="en-US" err="1"/>
-              <a:t>số</a:t>
-            </a:r>
-            <a:r>
-              <a:rPr lang="en-US"/>
-              <a:t> tin </a:t>
-            </a:r>
-            <a:r>
-              <a:rPr lang="en-US" err="1"/>
-              <a:t>bán</a:t>
-            </a:r>
-            <a:r>
-              <a:rPr lang="en-US"/>
-              <a:t>  </a:t>
-            </a:r>
-            <a:r>
-              <a:rPr lang="en-US" err="1"/>
-              <a:t>chung</a:t>
-            </a:r>
-            <a:r>
-              <a:rPr lang="en-US"/>
-              <a:t> </a:t>
-            </a:r>
-            <a:r>
-              <a:rPr lang="en-US" err="1"/>
-              <a:t>cư</a:t>
-            </a:r>
-            <a:r>
-              <a:rPr lang="en-US"/>
-              <a:t> </a:t>
-            </a:r>
-            <a:r>
-              <a:rPr lang="en-US" err="1"/>
-              <a:t>các</a:t>
-            </a:r>
-            <a:r>
-              <a:rPr lang="en-US"/>
-              <a:t> </a:t>
-            </a:r>
-            <a:r>
-              <a:rPr lang="en-US" err="1"/>
-              <a:t>căn</a:t>
-            </a:r>
-            <a:r>
-              <a:rPr lang="en-US"/>
-              <a:t> 1 2 </a:t>
-            </a:r>
-            <a:r>
-              <a:rPr lang="en-US" err="1"/>
-              <a:t>phòng</a:t>
-            </a:r>
-            <a:r>
-              <a:rPr lang="en-US"/>
-              <a:t> </a:t>
-            </a:r>
-            <a:r>
-              <a:rPr lang="en-US" err="1"/>
-              <a:t>ngủ</a:t>
-            </a:r>
-            <a:r>
-              <a:rPr lang="en-US"/>
-              <a:t> </a:t>
-            </a:r>
-            <a:r>
-              <a:rPr lang="en-US" err="1"/>
-              <a:t>và</a:t>
-            </a:r>
-            <a:r>
-              <a:rPr lang="en-US"/>
-              <a:t> </a:t>
-            </a:r>
-            <a:r>
-              <a:rPr lang="en-US" err="1"/>
-              <a:t>có</a:t>
-            </a:r>
-            <a:r>
-              <a:rPr lang="en-US"/>
-              <a:t> </a:t>
-            </a:r>
-            <a:r>
-              <a:rPr lang="en-US" err="1"/>
-              <a:t>diện</a:t>
-            </a:r>
-            <a:r>
-              <a:rPr lang="en-US"/>
-              <a:t> </a:t>
-            </a:r>
-            <a:r>
-              <a:rPr lang="en-US" err="1"/>
-              <a:t>tích</a:t>
-            </a:r>
-            <a:r>
-              <a:rPr lang="en-US"/>
-              <a:t>  nhỏ nhiều </a:t>
-            </a:r>
-            <a:r>
-              <a:rPr lang="en-US" err="1"/>
-              <a:t>hơn</a:t>
-            </a:r>
-            <a:r>
-              <a:rPr lang="en-US"/>
-              <a:t> HN, </a:t>
-            </a:r>
-            <a:r>
-              <a:rPr lang="en-US" err="1"/>
-              <a:t>ngược</a:t>
-            </a:r>
-            <a:r>
-              <a:rPr lang="en-US"/>
-              <a:t> </a:t>
-            </a:r>
-            <a:r>
-              <a:rPr lang="en-US" err="1"/>
-              <a:t>lại</a:t>
-            </a:r>
-            <a:r>
-              <a:rPr lang="en-US"/>
-              <a:t> HN </a:t>
-            </a:r>
-            <a:r>
-              <a:rPr lang="en-US" err="1"/>
-              <a:t>lại</a:t>
-            </a:r>
-            <a:r>
-              <a:rPr lang="en-US"/>
-              <a:t> </a:t>
-            </a:r>
-            <a:r>
-              <a:rPr lang="en-US" err="1"/>
-              <a:t>có</a:t>
-            </a:r>
-            <a:r>
-              <a:rPr lang="en-US"/>
-              <a:t> </a:t>
-            </a:r>
-            <a:r>
-              <a:rPr lang="en-US" err="1"/>
-              <a:t>số</a:t>
-            </a:r>
-            <a:r>
-              <a:rPr lang="en-US"/>
-              <a:t> </a:t>
-            </a:r>
-            <a:r>
-              <a:rPr lang="en-US" err="1"/>
-              <a:t>lượng</a:t>
-            </a:r>
-            <a:r>
-              <a:rPr lang="en-US"/>
-              <a:t> </a:t>
-            </a:r>
-            <a:r>
-              <a:rPr lang="en-US" err="1"/>
-              <a:t>bán</a:t>
-            </a:r>
-            <a:r>
-              <a:rPr lang="en-US"/>
-              <a:t> </a:t>
-            </a:r>
-            <a:r>
-              <a:rPr lang="en-US" err="1"/>
-              <a:t>các</a:t>
-            </a:r>
-            <a:r>
-              <a:rPr lang="en-US"/>
-              <a:t> </a:t>
-            </a:r>
-            <a:r>
-              <a:rPr lang="en-US" err="1"/>
-              <a:t>căn</a:t>
-            </a:r>
-            <a:r>
-              <a:rPr lang="en-US"/>
-              <a:t> </a:t>
-            </a:r>
-            <a:r>
-              <a:rPr lang="en-US" err="1"/>
-              <a:t>chung</a:t>
-            </a:r>
-            <a:r>
-              <a:rPr lang="en-US"/>
-              <a:t> </a:t>
-            </a:r>
-            <a:r>
-              <a:rPr lang="en-US" err="1"/>
-              <a:t>cư</a:t>
-            </a:r>
-            <a:r>
-              <a:rPr lang="en-US"/>
-              <a:t> </a:t>
-            </a:r>
-            <a:r>
-              <a:rPr lang="en-US" err="1"/>
-              <a:t>có</a:t>
-            </a:r>
-            <a:r>
-              <a:rPr lang="en-US"/>
-              <a:t> </a:t>
-            </a:r>
-            <a:r>
-              <a:rPr lang="en-US" err="1"/>
-              <a:t>diện</a:t>
-            </a:r>
-            <a:r>
-              <a:rPr lang="en-US"/>
-              <a:t> </a:t>
-            </a:r>
-            <a:r>
-              <a:rPr lang="en-US" err="1"/>
-              <a:t>tích</a:t>
-            </a:r>
-            <a:r>
-              <a:rPr lang="en-US"/>
-              <a:t> </a:t>
-            </a:r>
-            <a:r>
-              <a:rPr lang="en-US" err="1"/>
-              <a:t>rộng</a:t>
-            </a:r>
-            <a:r>
-              <a:rPr lang="en-US"/>
-              <a:t> </a:t>
-            </a:r>
-            <a:r>
-              <a:rPr lang="en-US" err="1"/>
-              <a:t>và</a:t>
-            </a:r>
-            <a:r>
-              <a:rPr lang="en-US"/>
-              <a:t> </a:t>
-            </a:r>
-            <a:r>
-              <a:rPr lang="en-US" err="1"/>
-              <a:t>từ</a:t>
-            </a:r>
-            <a:r>
-              <a:rPr lang="en-US"/>
-              <a:t> 3 </a:t>
-            </a:r>
-            <a:r>
-              <a:rPr lang="en-US" err="1"/>
-              <a:t>phòng</a:t>
-            </a:r>
-            <a:r>
-              <a:rPr lang="en-US"/>
-              <a:t> </a:t>
-            </a:r>
-            <a:r>
-              <a:rPr lang="en-US" err="1"/>
-              <a:t>ngủ</a:t>
-            </a:r>
-            <a:r>
-              <a:rPr lang="en-US"/>
-              <a:t> </a:t>
-            </a:r>
-            <a:r>
-              <a:rPr lang="en-US" err="1"/>
-              <a:t>trở</a:t>
-            </a:r>
-            <a:r>
-              <a:rPr lang="en-US"/>
-              <a:t> </a:t>
-            </a:r>
-            <a:r>
-              <a:rPr lang="en-US" err="1"/>
-              <a:t>lên</a:t>
-            </a:r>
-            <a:r>
-              <a:rPr lang="en-US"/>
-              <a:t> </a:t>
-            </a:r>
-            <a:r>
-              <a:rPr lang="en-US" err="1"/>
-              <a:t>nhiều</a:t>
-            </a:r>
-            <a:r>
-              <a:rPr lang="en-US"/>
-              <a:t> </a:t>
-            </a:r>
-            <a:r>
-              <a:rPr lang="en-US" err="1"/>
-              <a:t>hơn</a:t>
-            </a:r>
-            <a:r>
-              <a:rPr lang="en-US"/>
-              <a:t>.</a:t>
-            </a:r>
+            <a:endParaRPr lang="en-US"/>
           </a:p>
         </p:txBody>
       </p:sp>
@@ -3169,7 +1373,7 @@
           <a:p>
             <a:fld id="{C474D4A1-C440-4CA6-B3F3-A8FB18A8DE4E}" type="slidenum">
               <a:rPr lang="en-US" smtClean="0"/>
-              <a:t>28</a:t>
+              <a:t>27</a:t>
             </a:fld>
             <a:endParaRPr lang="en-US"/>
           </a:p>
@@ -3178,7 +1382,7 @@
     </p:spTree>
     <p:extLst>
       <p:ext uri="{BB962C8B-B14F-4D97-AF65-F5344CB8AC3E}">
-        <p14:creationId xmlns:p14="http://schemas.microsoft.com/office/powerpoint/2010/main" val="3486894738"/>
+        <p14:creationId xmlns:p14="http://schemas.microsoft.com/office/powerpoint/2010/main" val="227136892"/>
       </p:ext>
     </p:extLst>
   </p:cSld>
@@ -3232,146 +1436,7 @@
           <a:bodyPr/>
           <a:lstStyle/>
           <a:p>
-            <a:r>
-              <a:rPr lang="en-US"/>
-              <a:t>- </a:t>
-            </a:r>
-            <a:r>
-              <a:rPr lang="en-US" err="1"/>
-              <a:t>Giá</a:t>
-            </a:r>
-            <a:r>
-              <a:rPr lang="en-US"/>
-              <a:t> </a:t>
-            </a:r>
-            <a:r>
-              <a:rPr lang="en-US" err="1"/>
-              <a:t>trung</a:t>
-            </a:r>
-            <a:r>
-              <a:rPr lang="en-US"/>
-              <a:t> </a:t>
-            </a:r>
-            <a:r>
-              <a:rPr lang="en-US" err="1"/>
-              <a:t>bình</a:t>
-            </a:r>
-            <a:r>
-              <a:rPr lang="en-US"/>
-              <a:t>/m2 ở </a:t>
-            </a:r>
-            <a:r>
-              <a:rPr lang="en-US" err="1"/>
-              <a:t>các</a:t>
-            </a:r>
-            <a:r>
-              <a:rPr lang="en-US"/>
-              <a:t> </a:t>
-            </a:r>
-            <a:r>
-              <a:rPr lang="en-US" err="1"/>
-              <a:t>quận</a:t>
-            </a:r>
-            <a:r>
-              <a:rPr lang="en-US"/>
-              <a:t> </a:t>
-            </a:r>
-            <a:r>
-              <a:rPr lang="en-US" err="1"/>
-              <a:t>nội</a:t>
-            </a:r>
-            <a:r>
-              <a:rPr lang="en-US"/>
-              <a:t> </a:t>
-            </a:r>
-            <a:r>
-              <a:rPr lang="en-US" err="1"/>
-              <a:t>thành</a:t>
-            </a:r>
-            <a:r>
-              <a:rPr lang="en-US"/>
-              <a:t> HCM thời </a:t>
-            </a:r>
-            <a:r>
-              <a:rPr lang="en-US" err="1"/>
-              <a:t>điểm</a:t>
-            </a:r>
-            <a:r>
-              <a:rPr lang="en-US"/>
-              <a:t> </a:t>
-            </a:r>
-            <a:r>
-              <a:rPr lang="en-US" err="1"/>
-              <a:t>này</a:t>
-            </a:r>
-            <a:r>
-              <a:rPr lang="en-US"/>
-              <a:t> </a:t>
-            </a:r>
-            <a:r>
-              <a:rPr lang="en-US" err="1"/>
-              <a:t>đang</a:t>
-            </a:r>
-            <a:r>
-              <a:rPr lang="en-US"/>
-              <a:t> </a:t>
-            </a:r>
-            <a:r>
-              <a:rPr lang="en-US" err="1"/>
-              <a:t>cao</a:t>
-            </a:r>
-            <a:r>
-              <a:rPr lang="en-US"/>
-              <a:t> </a:t>
-            </a:r>
-            <a:r>
-              <a:rPr lang="en-US" err="1"/>
-              <a:t>hơn</a:t>
-            </a:r>
-            <a:r>
-              <a:rPr lang="en-US"/>
-              <a:t> so </a:t>
-            </a:r>
-            <a:r>
-              <a:rPr lang="en-US" err="1"/>
-              <a:t>với</a:t>
-            </a:r>
-            <a:r>
-              <a:rPr lang="en-US"/>
-              <a:t> HN </a:t>
-            </a:r>
-            <a:r>
-              <a:rPr lang="en-US" err="1"/>
-              <a:t>sự</a:t>
-            </a:r>
-            <a:r>
-              <a:rPr lang="en-US"/>
-              <a:t> </a:t>
-            </a:r>
-            <a:r>
-              <a:rPr lang="en-US" err="1"/>
-              <a:t>chênh</a:t>
-            </a:r>
-            <a:r>
-              <a:rPr lang="en-US"/>
-              <a:t> </a:t>
-            </a:r>
-            <a:r>
-              <a:rPr lang="en-US" err="1"/>
-              <a:t>lệch</a:t>
-            </a:r>
-            <a:r>
-              <a:rPr lang="en-US"/>
-              <a:t> </a:t>
-            </a:r>
-            <a:r>
-              <a:rPr lang="en-US" err="1"/>
-              <a:t>khoảng</a:t>
-            </a:r>
-            <a:r>
-              <a:rPr lang="en-US"/>
-              <a:t> 8,20%</a:t>
-            </a:r>
+            <a:endParaRPr lang="en-US"/>
           </a:p>
         </p:txBody>
       </p:sp>
@@ -3392,7 +1457,7 @@
           <a:p>
             <a:fld id="{C474D4A1-C440-4CA6-B3F3-A8FB18A8DE4E}" type="slidenum">
               <a:rPr lang="en-US" smtClean="0"/>
-              <a:t>29</a:t>
+              <a:t>28</a:t>
             </a:fld>
             <a:endParaRPr lang="en-US"/>
           </a:p>
@@ -3401,7 +1466,7 @@
     </p:spTree>
     <p:extLst>
       <p:ext uri="{BB962C8B-B14F-4D97-AF65-F5344CB8AC3E}">
-        <p14:creationId xmlns:p14="http://schemas.microsoft.com/office/powerpoint/2010/main" val="2939134607"/>
+        <p14:creationId xmlns:p14="http://schemas.microsoft.com/office/powerpoint/2010/main" val="3486894738"/>
       </p:ext>
     </p:extLst>
   </p:cSld>
@@ -3455,558 +1520,6 @@
           <a:bodyPr/>
           <a:lstStyle/>
           <a:p>
-            <a:r>
-              <a:rPr lang="en-US"/>
-              <a:t>- </a:t>
-            </a:r>
-            <a:r>
-              <a:rPr lang="en-US" err="1"/>
-              <a:t>Đầu</a:t>
-            </a:r>
-            <a:r>
-              <a:rPr lang="en-US"/>
-              <a:t> </a:t>
-            </a:r>
-            <a:r>
-              <a:rPr lang="en-US" err="1"/>
-              <a:t>tiên</a:t>
-            </a:r>
-            <a:r>
-              <a:rPr lang="en-US"/>
-              <a:t>, </a:t>
-            </a:r>
-            <a:r>
-              <a:rPr lang="en-US" err="1"/>
-              <a:t>số</a:t>
-            </a:r>
-            <a:r>
-              <a:rPr lang="en-US"/>
-              <a:t> </a:t>
-            </a:r>
-            <a:r>
-              <a:rPr lang="en-US" err="1"/>
-              <a:t>lượng</a:t>
-            </a:r>
-            <a:r>
-              <a:rPr lang="en-US"/>
-              <a:t> tin </a:t>
-            </a:r>
-            <a:r>
-              <a:rPr lang="en-US" err="1"/>
-              <a:t>mua</a:t>
-            </a:r>
-            <a:r>
-              <a:rPr lang="en-US"/>
-              <a:t> </a:t>
-            </a:r>
-            <a:r>
-              <a:rPr lang="en-US" err="1"/>
-              <a:t>bán</a:t>
-            </a:r>
-            <a:r>
-              <a:rPr lang="en-US"/>
-              <a:t>, </a:t>
-            </a:r>
-            <a:r>
-              <a:rPr lang="en-US" err="1"/>
-              <a:t>nhìn</a:t>
-            </a:r>
-            <a:r>
-              <a:rPr lang="en-US"/>
-              <a:t> </a:t>
-            </a:r>
-            <a:r>
-              <a:rPr lang="en-US" err="1"/>
-              <a:t>vào</a:t>
-            </a:r>
-            <a:r>
-              <a:rPr lang="en-US"/>
-              <a:t> </a:t>
-            </a:r>
-            <a:r>
-              <a:rPr lang="en-US" err="1"/>
-              <a:t>biểu</a:t>
-            </a:r>
-            <a:r>
-              <a:rPr lang="en-US"/>
-              <a:t> </a:t>
-            </a:r>
-            <a:r>
-              <a:rPr lang="en-US" err="1"/>
-              <a:t>đồ</a:t>
-            </a:r>
-            <a:r>
-              <a:rPr lang="en-US"/>
-              <a:t> line chart </a:t>
-            </a:r>
-            <a:r>
-              <a:rPr lang="en-US" err="1"/>
-              <a:t>có</a:t>
-            </a:r>
-            <a:r>
-              <a:rPr lang="en-US"/>
-              <a:t> </a:t>
-            </a:r>
-            <a:r>
-              <a:rPr lang="en-US" err="1"/>
-              <a:t>thể</a:t>
-            </a:r>
-            <a:r>
-              <a:rPr lang="en-US"/>
-              <a:t> </a:t>
-            </a:r>
-            <a:r>
-              <a:rPr lang="en-US" err="1"/>
-              <a:t>thấy</a:t>
-            </a:r>
-            <a:r>
-              <a:rPr lang="en-US"/>
-              <a:t>  </a:t>
-            </a:r>
-            <a:r>
-              <a:rPr lang="en-US" err="1"/>
-              <a:t>tháng</a:t>
-            </a:r>
-            <a:r>
-              <a:rPr lang="en-US"/>
-              <a:t> 1 </a:t>
-            </a:r>
-            <a:r>
-              <a:rPr lang="en-US" err="1"/>
-              <a:t>số</a:t>
-            </a:r>
-            <a:r>
-              <a:rPr lang="en-US"/>
-              <a:t> </a:t>
-            </a:r>
-            <a:r>
-              <a:rPr lang="en-US" err="1"/>
-              <a:t>lượng</a:t>
-            </a:r>
-            <a:r>
-              <a:rPr lang="en-US"/>
-              <a:t> tin </a:t>
-            </a:r>
-            <a:r>
-              <a:rPr lang="en-US" err="1"/>
-              <a:t>đăng</a:t>
-            </a:r>
-            <a:r>
-              <a:rPr lang="en-US"/>
-              <a:t> </a:t>
-            </a:r>
-            <a:r>
-              <a:rPr lang="en-US" err="1"/>
-              <a:t>đường</a:t>
-            </a:r>
-            <a:r>
-              <a:rPr lang="en-US"/>
-              <a:t> line chart </a:t>
-            </a:r>
-            <a:r>
-              <a:rPr lang="en-US" err="1"/>
-              <a:t>gần</a:t>
-            </a:r>
-            <a:r>
-              <a:rPr lang="en-US"/>
-              <a:t> </a:t>
-            </a:r>
-            <a:r>
-              <a:rPr lang="en-US" err="1"/>
-              <a:t>như</a:t>
-            </a:r>
-            <a:r>
-              <a:rPr lang="en-US"/>
-              <a:t> </a:t>
-            </a:r>
-            <a:r>
-              <a:rPr lang="en-US" err="1"/>
-              <a:t>đi</a:t>
-            </a:r>
-            <a:r>
-              <a:rPr lang="en-US"/>
-              <a:t> </a:t>
-            </a:r>
-            <a:r>
-              <a:rPr lang="en-US" err="1"/>
-              <a:t>ngang</a:t>
-            </a:r>
-            <a:r>
-              <a:rPr lang="en-US"/>
-              <a:t> , </a:t>
-            </a:r>
-            <a:r>
-              <a:rPr lang="en-US" err="1"/>
-              <a:t>khá</a:t>
-            </a:r>
-            <a:r>
-              <a:rPr lang="en-US"/>
-              <a:t> </a:t>
-            </a:r>
-            <a:r>
-              <a:rPr lang="en-US" err="1"/>
-              <a:t>thấp</a:t>
-            </a:r>
-            <a:r>
-              <a:rPr lang="en-US"/>
-              <a:t> </a:t>
-            </a:r>
-            <a:r>
-              <a:rPr lang="en-US" err="1"/>
-              <a:t>có</a:t>
-            </a:r>
-            <a:r>
-              <a:rPr lang="en-US"/>
-              <a:t> </a:t>
-            </a:r>
-            <a:r>
-              <a:rPr lang="en-US" err="1"/>
-              <a:t>dấu</a:t>
-            </a:r>
-            <a:r>
-              <a:rPr lang="en-US"/>
-              <a:t> </a:t>
-            </a:r>
-            <a:r>
-              <a:rPr lang="en-US" err="1"/>
-              <a:t>hiệu</a:t>
-            </a:r>
-            <a:r>
-              <a:rPr lang="en-US"/>
-              <a:t> </a:t>
-            </a:r>
-            <a:r>
-              <a:rPr lang="en-US" err="1"/>
-              <a:t>tăng</a:t>
-            </a:r>
-            <a:r>
-              <a:rPr lang="en-US"/>
-              <a:t> </a:t>
-            </a:r>
-            <a:r>
-              <a:rPr lang="en-US" err="1"/>
-              <a:t>nhẹ</a:t>
-            </a:r>
-            <a:r>
-              <a:rPr lang="en-US"/>
-              <a:t> </a:t>
-            </a:r>
-            <a:r>
-              <a:rPr lang="en-US" err="1"/>
-              <a:t>trước</a:t>
-            </a:r>
-            <a:r>
-              <a:rPr lang="en-US"/>
-              <a:t> </a:t>
-            </a:r>
-            <a:r>
-              <a:rPr lang="en-US" err="1"/>
-              <a:t>tết</a:t>
-            </a:r>
-            <a:r>
-              <a:rPr lang="en-US"/>
-              <a:t>  </a:t>
-            </a:r>
-            <a:r>
-              <a:rPr lang="en-US" err="1"/>
-              <a:t>và</a:t>
-            </a:r>
-            <a:r>
-              <a:rPr lang="en-US"/>
-              <a:t> </a:t>
-            </a:r>
-            <a:r>
-              <a:rPr lang="en-US" err="1"/>
-              <a:t>theo</a:t>
-            </a:r>
-            <a:r>
-              <a:rPr lang="en-US"/>
-              <a:t> </a:t>
-            </a:r>
-            <a:r>
-              <a:rPr lang="en-US" err="1"/>
-              <a:t>thời</a:t>
-            </a:r>
-            <a:r>
-              <a:rPr lang="en-US"/>
-              <a:t> </a:t>
-            </a:r>
-            <a:r>
-              <a:rPr lang="en-US" err="1"/>
-              <a:t>gian</a:t>
-            </a:r>
-            <a:r>
-              <a:rPr lang="en-US"/>
-              <a:t> </a:t>
-            </a:r>
-            <a:r>
-              <a:rPr lang="en-US" err="1"/>
-              <a:t>thì</a:t>
-            </a:r>
-            <a:r>
-              <a:rPr lang="en-US"/>
-              <a:t> </a:t>
-            </a:r>
-            <a:r>
-              <a:rPr lang="en-US" err="1"/>
-              <a:t>đang</a:t>
-            </a:r>
-            <a:r>
-              <a:rPr lang="en-US"/>
-              <a:t> </a:t>
-            </a:r>
-            <a:r>
-              <a:rPr lang="en-US" err="1"/>
-              <a:t>có</a:t>
-            </a:r>
-            <a:r>
-              <a:rPr lang="en-US"/>
-              <a:t> xu </a:t>
-            </a:r>
-            <a:r>
-              <a:rPr lang="en-US" err="1"/>
-              <a:t>hướng</a:t>
-            </a:r>
-            <a:r>
-              <a:rPr lang="en-US"/>
-              <a:t> </a:t>
-            </a:r>
-            <a:r>
-              <a:rPr lang="en-US" err="1"/>
-              <a:t>tăng</a:t>
-            </a:r>
-            <a:r>
-              <a:rPr lang="en-US"/>
-              <a:t> </a:t>
-            </a:r>
-            <a:r>
-              <a:rPr lang="en-US" err="1"/>
-              <a:t>lên</a:t>
-            </a:r>
-            <a:r>
-              <a:rPr lang="en-US"/>
-              <a:t> </a:t>
-            </a:r>
-            <a:r>
-              <a:rPr lang="en-US" err="1"/>
-              <a:t>trong</a:t>
-            </a:r>
-            <a:r>
-              <a:rPr lang="en-US"/>
-              <a:t> </a:t>
-            </a:r>
-            <a:r>
-              <a:rPr lang="en-US" err="1"/>
-              <a:t>tháng</a:t>
-            </a:r>
-            <a:r>
-              <a:rPr lang="en-US"/>
-              <a:t> 2. </a:t>
-            </a:r>
-            <a:r>
-              <a:rPr lang="en-US" err="1"/>
-              <a:t>Nguyên</a:t>
-            </a:r>
-            <a:r>
-              <a:rPr lang="en-US"/>
-              <a:t> </a:t>
-            </a:r>
-            <a:r>
-              <a:rPr lang="en-US" err="1"/>
-              <a:t>nhân</a:t>
-            </a:r>
-            <a:r>
-              <a:rPr lang="en-US"/>
-              <a:t> </a:t>
-            </a:r>
-            <a:r>
-              <a:rPr lang="en-US" err="1"/>
-              <a:t>có</a:t>
-            </a:r>
-            <a:r>
-              <a:rPr lang="en-US"/>
-              <a:t> </a:t>
-            </a:r>
-            <a:r>
-              <a:rPr lang="en-US" err="1"/>
-              <a:t>thể</a:t>
-            </a:r>
-            <a:r>
-              <a:rPr lang="en-US"/>
-              <a:t> </a:t>
-            </a:r>
-            <a:r>
-              <a:rPr lang="en-US" err="1"/>
-              <a:t>giải</a:t>
-            </a:r>
-            <a:r>
-              <a:rPr lang="en-US"/>
-              <a:t> </a:t>
-            </a:r>
-            <a:r>
-              <a:rPr lang="en-US" err="1"/>
-              <a:t>thích</a:t>
-            </a:r>
-            <a:r>
-              <a:rPr lang="en-US"/>
-              <a:t> </a:t>
-            </a:r>
-            <a:r>
-              <a:rPr lang="en-US" err="1"/>
-              <a:t>cho</a:t>
-            </a:r>
-            <a:r>
-              <a:rPr lang="en-US"/>
-              <a:t> </a:t>
-            </a:r>
-            <a:r>
-              <a:rPr lang="en-US" err="1"/>
-              <a:t>trường</a:t>
-            </a:r>
-            <a:r>
-              <a:rPr lang="en-US"/>
-              <a:t> </a:t>
-            </a:r>
-            <a:r>
-              <a:rPr lang="en-US" err="1"/>
-              <a:t>hợp</a:t>
-            </a:r>
-            <a:r>
-              <a:rPr lang="en-US"/>
-              <a:t> </a:t>
-            </a:r>
-            <a:r>
-              <a:rPr lang="en-US" err="1"/>
-              <a:t>này</a:t>
-            </a:r>
-            <a:r>
-              <a:rPr lang="en-US"/>
-              <a:t> </a:t>
-            </a:r>
-            <a:r>
-              <a:rPr lang="en-US" err="1"/>
-              <a:t>có</a:t>
-            </a:r>
-            <a:r>
-              <a:rPr lang="en-US"/>
-              <a:t> </a:t>
-            </a:r>
-            <a:r>
-              <a:rPr lang="en-US" err="1"/>
-              <a:t>thể</a:t>
-            </a:r>
-            <a:r>
-              <a:rPr lang="en-US"/>
-              <a:t> T1 </a:t>
-            </a:r>
-            <a:r>
-              <a:rPr lang="en-US" err="1"/>
-              <a:t>là</a:t>
-            </a:r>
-            <a:r>
-              <a:rPr lang="en-US"/>
-              <a:t> </a:t>
-            </a:r>
-            <a:r>
-              <a:rPr lang="en-US" err="1"/>
-              <a:t>tháng</a:t>
-            </a:r>
-            <a:r>
-              <a:rPr lang="en-US"/>
-              <a:t> </a:t>
-            </a:r>
-            <a:r>
-              <a:rPr lang="en-US" err="1"/>
-              <a:t>cuối</a:t>
-            </a:r>
-            <a:r>
-              <a:rPr lang="en-US"/>
-              <a:t> </a:t>
-            </a:r>
-            <a:r>
-              <a:rPr lang="en-US" err="1"/>
-              <a:t>cùng</a:t>
-            </a:r>
-            <a:r>
-              <a:rPr lang="en-US"/>
-              <a:t> </a:t>
-            </a:r>
-            <a:r>
-              <a:rPr lang="en-US" err="1"/>
-              <a:t>của</a:t>
-            </a:r>
-            <a:r>
-              <a:rPr lang="en-US"/>
-              <a:t> </a:t>
-            </a:r>
-            <a:r>
-              <a:rPr lang="en-US" err="1"/>
-              <a:t>năm</a:t>
-            </a:r>
-            <a:r>
-              <a:rPr lang="en-US"/>
-              <a:t> </a:t>
-            </a:r>
-            <a:r>
-              <a:rPr lang="en-US" err="1"/>
-              <a:t>âm</a:t>
-            </a:r>
-            <a:r>
-              <a:rPr lang="en-US"/>
-              <a:t> </a:t>
-            </a:r>
-            <a:r>
-              <a:rPr lang="en-US" err="1"/>
-              <a:t>lịch</a:t>
-            </a:r>
-            <a:r>
-              <a:rPr lang="en-US"/>
-              <a:t>.  </a:t>
-            </a:r>
-            <a:r>
-              <a:rPr lang="en-US" err="1"/>
-              <a:t>Nên</a:t>
-            </a:r>
-            <a:r>
-              <a:rPr lang="en-US"/>
-              <a:t> </a:t>
-            </a:r>
-            <a:r>
-              <a:rPr lang="en-US" err="1"/>
-              <a:t>tình</a:t>
-            </a:r>
-            <a:r>
-              <a:rPr lang="en-US"/>
-              <a:t> </a:t>
-            </a:r>
-            <a:r>
-              <a:rPr lang="en-US" err="1"/>
-              <a:t>hình</a:t>
-            </a:r>
-            <a:r>
-              <a:rPr lang="en-US"/>
-              <a:t> </a:t>
-            </a:r>
-            <a:r>
-              <a:rPr lang="en-US" err="1"/>
-              <a:t>mua</a:t>
-            </a:r>
-            <a:r>
-              <a:rPr lang="en-US"/>
-              <a:t> </a:t>
-            </a:r>
-            <a:r>
-              <a:rPr lang="en-US" err="1"/>
-              <a:t>bán</a:t>
-            </a:r>
-            <a:r>
-              <a:rPr lang="en-US"/>
-              <a:t> </a:t>
-            </a:r>
-            <a:r>
-              <a:rPr lang="en-US" err="1"/>
-              <a:t>giảm</a:t>
-            </a:r>
             <a:endParaRPr lang="en-US"/>
           </a:p>
         </p:txBody>
@@ -4092,8 +1605,12 @@
           <a:lstStyle/>
           <a:p>
             <a:r>
+              <a:rPr lang="en-US"/>
+              <a:t>- </a:t>
+            </a:r>
+            <a:r>
               <a:rPr lang="en-US" err="1"/>
-              <a:t>Tương</a:t>
+              <a:t>Giá</a:t>
             </a:r>
             <a:r>
               <a:rPr lang="en-US"/>
@@ -4101,7 +1618,7 @@
             </a:r>
             <a:r>
               <a:rPr lang="en-US" err="1"/>
-              <a:t>tự</a:t>
+              <a:t>trung</a:t>
             </a:r>
             <a:r>
               <a:rPr lang="en-US"/>
@@ -4109,11 +1626,11 @@
             </a:r>
             <a:r>
               <a:rPr lang="en-US" err="1"/>
-              <a:t>như</a:t>
+              <a:t>bình</a:t>
             </a:r>
             <a:r>
               <a:rPr lang="en-US"/>
-              <a:t> </a:t>
+              <a:t>/m2 ở </a:t>
             </a:r>
             <a:r>
               <a:rPr lang="en-US" err="1"/>
@@ -4125,7 +1642,7 @@
             </a:r>
             <a:r>
               <a:rPr lang="en-US" err="1"/>
-              <a:t>tỉnh</a:t>
+              <a:t>quận</a:t>
             </a:r>
             <a:r>
               <a:rPr lang="en-US"/>
@@ -4145,11 +1662,11 @@
             </a:r>
             <a:r>
               <a:rPr lang="en-US"/>
-              <a:t>, </a:t>
+              <a:t> HCM thời </a:t>
             </a:r>
             <a:r>
               <a:rPr lang="en-US" err="1"/>
-              <a:t>các</a:t>
+              <a:t>điểm</a:t>
             </a:r>
             <a:r>
               <a:rPr lang="en-US"/>
@@ -4157,7 +1674,7 @@
             </a:r>
             <a:r>
               <a:rPr lang="en-US" err="1"/>
-              <a:t>tỉnh</a:t>
+              <a:t>này</a:t>
             </a:r>
             <a:r>
               <a:rPr lang="en-US"/>
@@ -4165,31 +1682,7 @@
             </a:r>
             <a:r>
               <a:rPr lang="en-US" err="1"/>
-              <a:t>ngoại</a:t>
-            </a:r>
-            <a:r>
-              <a:rPr lang="en-US"/>
-              <a:t> </a:t>
-            </a:r>
-            <a:r>
-              <a:rPr lang="en-US" err="1"/>
-              <a:t>thành</a:t>
-            </a:r>
-            <a:r>
-              <a:rPr lang="en-US"/>
-              <a:t> ở HCM  </a:t>
-            </a:r>
-            <a:r>
-              <a:rPr lang="en-US" err="1"/>
-              <a:t>có</a:t>
-            </a:r>
-            <a:r>
-              <a:rPr lang="en-US"/>
-              <a:t> </a:t>
-            </a:r>
-            <a:r>
-              <a:rPr lang="en-US" err="1"/>
-              <a:t>giá</a:t>
+              <a:t>đang</a:t>
             </a:r>
             <a:r>
               <a:rPr lang="en-US"/>
@@ -4209,7 +1702,39 @@
             </a:r>
             <a:r>
               <a:rPr lang="en-US"/>
+              <a:t> so </a:t>
+            </a:r>
+            <a:r>
+              <a:rPr lang="en-US" err="1"/>
+              <a:t>với</a:t>
+            </a:r>
+            <a:r>
+              <a:rPr lang="en-US"/>
               <a:t> HN </a:t>
+            </a:r>
+            <a:r>
+              <a:rPr lang="en-US" err="1"/>
+              <a:t>sự</a:t>
+            </a:r>
+            <a:r>
+              <a:rPr lang="en-US"/>
+              <a:t> </a:t>
+            </a:r>
+            <a:r>
+              <a:rPr lang="en-US" err="1"/>
+              <a:t>chênh</a:t>
+            </a:r>
+            <a:r>
+              <a:rPr lang="en-US"/>
+              <a:t> </a:t>
+            </a:r>
+            <a:r>
+              <a:rPr lang="en-US" err="1"/>
+              <a:t>lệch</a:t>
+            </a:r>
+            <a:r>
+              <a:rPr lang="en-US"/>
+              <a:t> </a:t>
             </a:r>
             <a:r>
               <a:rPr lang="en-US" err="1"/>
@@ -4217,7 +1742,7 @@
             </a:r>
             <a:r>
               <a:rPr lang="en-US"/>
-              <a:t> 11,9%</a:t>
+              <a:t> 8,20%</a:t>
             </a:r>
           </a:p>
         </p:txBody>
@@ -4239,7 +1764,7 @@
           <a:p>
             <a:fld id="{C474D4A1-C440-4CA6-B3F3-A8FB18A8DE4E}" type="slidenum">
               <a:rPr lang="en-US" smtClean="0"/>
-              <a:t>30</a:t>
+              <a:t>29</a:t>
             </a:fld>
             <a:endParaRPr lang="en-US"/>
           </a:p>
@@ -4248,7 +1773,7 @@
     </p:spTree>
     <p:extLst>
       <p:ext uri="{BB962C8B-B14F-4D97-AF65-F5344CB8AC3E}">
-        <p14:creationId xmlns:p14="http://schemas.microsoft.com/office/powerpoint/2010/main" val="843248624"/>
+        <p14:creationId xmlns:p14="http://schemas.microsoft.com/office/powerpoint/2010/main" val="2939134607"/>
       </p:ext>
     </p:extLst>
   </p:cSld>
@@ -4302,134 +1827,7 @@
           <a:bodyPr/>
           <a:lstStyle/>
           <a:p>
-            <a:r>
-              <a:rPr lang="en-US" err="1"/>
-              <a:t>Về</a:t>
-            </a:r>
-            <a:r>
-              <a:rPr lang="en-US"/>
-              <a:t> </a:t>
-            </a:r>
-            <a:r>
-              <a:rPr lang="en-US" err="1"/>
-              <a:t>mua</a:t>
-            </a:r>
-            <a:r>
-              <a:rPr lang="en-US"/>
-              <a:t> </a:t>
-            </a:r>
-            <a:r>
-              <a:rPr lang="en-US" err="1"/>
-              <a:t>bán</a:t>
-            </a:r>
-            <a:r>
-              <a:rPr lang="en-US"/>
-              <a:t> </a:t>
-            </a:r>
-            <a:r>
-              <a:rPr lang="en-US" err="1"/>
-              <a:t>nhà</a:t>
-            </a:r>
-            <a:r>
-              <a:rPr lang="en-US"/>
-              <a:t> ở </a:t>
-            </a:r>
-            <a:r>
-              <a:rPr lang="en-US" err="1"/>
-              <a:t>thì</a:t>
-            </a:r>
-            <a:r>
-              <a:rPr lang="en-US"/>
-              <a:t> </a:t>
-            </a:r>
-            <a:r>
-              <a:rPr lang="en-US" err="1"/>
-              <a:t>giá</a:t>
-            </a:r>
-            <a:r>
-              <a:rPr lang="en-US"/>
-              <a:t> </a:t>
-            </a:r>
-            <a:r>
-              <a:rPr lang="en-US" err="1"/>
-              <a:t>trung</a:t>
-            </a:r>
-            <a:r>
-              <a:rPr lang="en-US"/>
-              <a:t> </a:t>
-            </a:r>
-            <a:r>
-              <a:rPr lang="en-US" err="1"/>
-              <a:t>bình</a:t>
-            </a:r>
-            <a:r>
-              <a:rPr lang="en-US"/>
-              <a:t>/m2 </a:t>
-            </a:r>
-            <a:r>
-              <a:rPr lang="en-US" err="1"/>
-              <a:t>gần</a:t>
-            </a:r>
-            <a:r>
-              <a:rPr lang="en-US"/>
-              <a:t> </a:t>
-            </a:r>
-            <a:r>
-              <a:rPr lang="en-US" err="1"/>
-              <a:t>như</a:t>
-            </a:r>
-            <a:r>
-              <a:rPr lang="en-US"/>
-              <a:t> </a:t>
-            </a:r>
-            <a:r>
-              <a:rPr lang="en-US" err="1"/>
-              <a:t>bằng</a:t>
-            </a:r>
-            <a:r>
-              <a:rPr lang="en-US"/>
-              <a:t> </a:t>
-            </a:r>
-            <a:r>
-              <a:rPr lang="en-US" err="1"/>
-              <a:t>nhau</a:t>
-            </a:r>
-            <a:r>
-              <a:rPr lang="en-US"/>
-              <a:t> </a:t>
-            </a:r>
-            <a:r>
-              <a:rPr lang="en-US" err="1"/>
-              <a:t>xê</a:t>
-            </a:r>
-            <a:r>
-              <a:rPr lang="en-US"/>
-              <a:t> </a:t>
-            </a:r>
-            <a:r>
-              <a:rPr lang="en-US" err="1"/>
-              <a:t>lệch</a:t>
-            </a:r>
-            <a:r>
-              <a:rPr lang="en-US"/>
-              <a:t> </a:t>
-            </a:r>
-            <a:r>
-              <a:rPr lang="en-US" err="1"/>
-              <a:t>không</a:t>
-            </a:r>
-            <a:r>
-              <a:rPr lang="en-US"/>
-              <a:t> </a:t>
-            </a:r>
-            <a:r>
-              <a:rPr lang="en-US" err="1"/>
-              <a:t>quá</a:t>
-            </a:r>
-            <a:r>
-              <a:rPr lang="en-US"/>
-              <a:t> 1%</a:t>
-            </a:r>
+            <a:endParaRPr lang="en-US"/>
           </a:p>
         </p:txBody>
       </p:sp>
@@ -4450,7 +1848,7 @@
           <a:p>
             <a:fld id="{C474D4A1-C440-4CA6-B3F3-A8FB18A8DE4E}" type="slidenum">
               <a:rPr lang="en-US" smtClean="0"/>
-              <a:t>32</a:t>
+              <a:t>30</a:t>
             </a:fld>
             <a:endParaRPr lang="en-US"/>
           </a:p>
@@ -4459,7 +1857,7 @@
     </p:spTree>
     <p:extLst>
       <p:ext uri="{BB962C8B-B14F-4D97-AF65-F5344CB8AC3E}">
-        <p14:creationId xmlns:p14="http://schemas.microsoft.com/office/powerpoint/2010/main" val="144270969"/>
+        <p14:creationId xmlns:p14="http://schemas.microsoft.com/office/powerpoint/2010/main" val="843248624"/>
       </p:ext>
     </p:extLst>
   </p:cSld>
@@ -4513,110 +1911,7 @@
           <a:bodyPr/>
           <a:lstStyle/>
           <a:p>
-            <a:r>
-              <a:rPr lang="en-US" err="1"/>
-              <a:t>Tuy</a:t>
-            </a:r>
-            <a:r>
-              <a:rPr lang="en-US"/>
-              <a:t> </a:t>
-            </a:r>
-            <a:r>
-              <a:rPr lang="en-US" err="1"/>
-              <a:t>nhiên</a:t>
-            </a:r>
-            <a:r>
-              <a:rPr lang="en-US"/>
-              <a:t>, </a:t>
-            </a:r>
-            <a:r>
-              <a:rPr lang="en-US" err="1"/>
-              <a:t>về</a:t>
-            </a:r>
-            <a:r>
-              <a:rPr lang="en-US"/>
-              <a:t> </a:t>
-            </a:r>
-            <a:r>
-              <a:rPr lang="en-US" err="1"/>
-              <a:t>ngoại</a:t>
-            </a:r>
-            <a:r>
-              <a:rPr lang="en-US"/>
-              <a:t> </a:t>
-            </a:r>
-            <a:r>
-              <a:rPr lang="en-US" err="1"/>
-              <a:t>thành</a:t>
-            </a:r>
-            <a:r>
-              <a:rPr lang="en-US"/>
-              <a:t> </a:t>
-            </a:r>
-            <a:r>
-              <a:rPr lang="en-US" err="1"/>
-              <a:t>thì</a:t>
-            </a:r>
-            <a:r>
-              <a:rPr lang="en-US"/>
-              <a:t> ở HCM </a:t>
-            </a:r>
-            <a:r>
-              <a:rPr lang="en-US" err="1"/>
-              <a:t>giá</a:t>
-            </a:r>
-            <a:r>
-              <a:rPr lang="en-US"/>
-              <a:t> </a:t>
-            </a:r>
-            <a:r>
-              <a:rPr lang="en-US" err="1"/>
-              <a:t>rẻ</a:t>
-            </a:r>
-            <a:r>
-              <a:rPr lang="en-US"/>
-              <a:t> </a:t>
-            </a:r>
-            <a:r>
-              <a:rPr lang="en-US" err="1"/>
-              <a:t>hơn</a:t>
-            </a:r>
-            <a:r>
-              <a:rPr lang="en-US"/>
-              <a:t> </a:t>
-            </a:r>
-            <a:r>
-              <a:rPr lang="en-US" err="1"/>
-              <a:t>và</a:t>
-            </a:r>
-            <a:r>
-              <a:rPr lang="en-US"/>
-              <a:t> </a:t>
-            </a:r>
-            <a:r>
-              <a:rPr lang="en-US" err="1"/>
-              <a:t>rẻ</a:t>
-            </a:r>
-            <a:r>
-              <a:rPr lang="en-US"/>
-              <a:t> </a:t>
-            </a:r>
-            <a:r>
-              <a:rPr lang="en-US" err="1"/>
-              <a:t>hơn</a:t>
-            </a:r>
-            <a:r>
-              <a:rPr lang="en-US"/>
-              <a:t> </a:t>
-            </a:r>
-            <a:r>
-              <a:rPr lang="en-US" err="1"/>
-              <a:t>tới</a:t>
-            </a:r>
-            <a:r>
-              <a:rPr lang="en-US"/>
-              <a:t> 19,5%</a:t>
-            </a:r>
+            <a:endParaRPr lang="en-US"/>
           </a:p>
         </p:txBody>
       </p:sp>
@@ -4637,7 +1932,7 @@
           <a:p>
             <a:fld id="{C474D4A1-C440-4CA6-B3F3-A8FB18A8DE4E}" type="slidenum">
               <a:rPr lang="en-US" smtClean="0"/>
-              <a:t>33</a:t>
+              <a:t>32</a:t>
             </a:fld>
             <a:endParaRPr lang="en-US"/>
           </a:p>
@@ -4646,7 +1941,7 @@
     </p:spTree>
     <p:extLst>
       <p:ext uri="{BB962C8B-B14F-4D97-AF65-F5344CB8AC3E}">
-        <p14:creationId xmlns:p14="http://schemas.microsoft.com/office/powerpoint/2010/main" val="244170695"/>
+        <p14:creationId xmlns:p14="http://schemas.microsoft.com/office/powerpoint/2010/main" val="144270969"/>
       </p:ext>
     </p:extLst>
   </p:cSld>
@@ -4700,170 +1995,6 @@
           <a:bodyPr/>
           <a:lstStyle/>
           <a:p>
-            <a:r>
-              <a:rPr lang="en-US" err="1"/>
-              <a:t>Về</a:t>
-            </a:r>
-            <a:r>
-              <a:rPr lang="en-US"/>
-              <a:t> </a:t>
-            </a:r>
-            <a:r>
-              <a:rPr lang="en-US" err="1"/>
-              <a:t>cho</a:t>
-            </a:r>
-            <a:r>
-              <a:rPr lang="en-US"/>
-              <a:t> </a:t>
-            </a:r>
-            <a:r>
-              <a:rPr lang="en-US" err="1"/>
-              <a:t>thuê</a:t>
-            </a:r>
-            <a:r>
-              <a:rPr lang="en-US"/>
-              <a:t> </a:t>
-            </a:r>
-            <a:r>
-              <a:rPr lang="en-US" err="1"/>
-              <a:t>thì</a:t>
-            </a:r>
-            <a:r>
-              <a:rPr lang="en-US"/>
-              <a:t>, </a:t>
-            </a:r>
-            <a:r>
-              <a:rPr lang="en-US" err="1"/>
-              <a:t>thuê</a:t>
-            </a:r>
-            <a:r>
-              <a:rPr lang="en-US"/>
-              <a:t> </a:t>
-            </a:r>
-            <a:r>
-              <a:rPr lang="en-US" err="1"/>
-              <a:t>nhà</a:t>
-            </a:r>
-            <a:r>
-              <a:rPr lang="en-US"/>
-              <a:t> ở </a:t>
-            </a:r>
-            <a:r>
-              <a:rPr lang="en-US" err="1"/>
-              <a:t>ở</a:t>
-            </a:r>
-            <a:r>
-              <a:rPr lang="en-US"/>
-              <a:t> </a:t>
-            </a:r>
-            <a:r>
-              <a:rPr lang="en-US" err="1"/>
-              <a:t>hà</a:t>
-            </a:r>
-            <a:r>
-              <a:rPr lang="en-US"/>
-              <a:t> </a:t>
-            </a:r>
-            <a:r>
-              <a:rPr lang="en-US" err="1"/>
-              <a:t>nội</a:t>
-            </a:r>
-            <a:r>
-              <a:rPr lang="en-US"/>
-              <a:t> </a:t>
-            </a:r>
-            <a:r>
-              <a:rPr lang="en-US" err="1"/>
-              <a:t>đắt</a:t>
-            </a:r>
-            <a:r>
-              <a:rPr lang="en-US"/>
-              <a:t> </a:t>
-            </a:r>
-            <a:r>
-              <a:rPr lang="en-US" err="1"/>
-              <a:t>hơn</a:t>
-            </a:r>
-            <a:r>
-              <a:rPr lang="en-US"/>
-              <a:t> so </a:t>
-            </a:r>
-            <a:r>
-              <a:rPr lang="en-US" err="1"/>
-              <a:t>với</a:t>
-            </a:r>
-            <a:r>
-              <a:rPr lang="en-US"/>
-              <a:t> HCM , </a:t>
-            </a:r>
-            <a:r>
-              <a:rPr lang="en-US" err="1"/>
-              <a:t>còn</a:t>
-            </a:r>
-            <a:r>
-              <a:rPr lang="en-US"/>
-              <a:t> </a:t>
-            </a:r>
-            <a:r>
-              <a:rPr lang="en-US" err="1"/>
-              <a:t>các</a:t>
-            </a:r>
-            <a:r>
-              <a:rPr lang="en-US"/>
-              <a:t> </a:t>
-            </a:r>
-            <a:r>
-              <a:rPr lang="en-US" err="1"/>
-              <a:t>loại</a:t>
-            </a:r>
-            <a:r>
-              <a:rPr lang="en-US"/>
-              <a:t> </a:t>
-            </a:r>
-            <a:r>
-              <a:rPr lang="en-US" err="1"/>
-              <a:t>cho</a:t>
-            </a:r>
-            <a:r>
-              <a:rPr lang="en-US"/>
-              <a:t> </a:t>
-            </a:r>
-            <a:r>
-              <a:rPr lang="en-US" err="1"/>
-              <a:t>thuê</a:t>
-            </a:r>
-            <a:r>
-              <a:rPr lang="en-US"/>
-              <a:t> </a:t>
-            </a:r>
-            <a:r>
-              <a:rPr lang="en-US" err="1"/>
-              <a:t>khác</a:t>
-            </a:r>
-            <a:r>
-              <a:rPr lang="en-US"/>
-              <a:t> </a:t>
-            </a:r>
-            <a:r>
-              <a:rPr lang="en-US" err="1"/>
-              <a:t>thì</a:t>
-            </a:r>
-            <a:r>
-              <a:rPr lang="en-US"/>
-              <a:t> HCM </a:t>
-            </a:r>
-            <a:r>
-              <a:rPr lang="en-US" err="1"/>
-              <a:t>cao</a:t>
-            </a:r>
-            <a:r>
-              <a:rPr lang="en-US"/>
-              <a:t> </a:t>
-            </a:r>
-            <a:r>
-              <a:rPr lang="en-US" err="1"/>
-              <a:t>hơn</a:t>
-            </a:r>
             <a:endParaRPr lang="en-US"/>
           </a:p>
         </p:txBody>
@@ -4885,7 +2016,7 @@
           <a:p>
             <a:fld id="{C474D4A1-C440-4CA6-B3F3-A8FB18A8DE4E}" type="slidenum">
               <a:rPr lang="en-US" smtClean="0"/>
-              <a:t>35</a:t>
+              <a:t>33</a:t>
             </a:fld>
             <a:endParaRPr lang="en-US"/>
           </a:p>
@@ -4894,7 +2025,7 @@
     </p:spTree>
     <p:extLst>
       <p:ext uri="{BB962C8B-B14F-4D97-AF65-F5344CB8AC3E}">
-        <p14:creationId xmlns:p14="http://schemas.microsoft.com/office/powerpoint/2010/main" val="530963023"/>
+        <p14:creationId xmlns:p14="http://schemas.microsoft.com/office/powerpoint/2010/main" val="244170695"/>
       </p:ext>
     </p:extLst>
   </p:cSld>
@@ -4969,7 +2100,7 @@
           <a:p>
             <a:fld id="{C474D4A1-C440-4CA6-B3F3-A8FB18A8DE4E}" type="slidenum">
               <a:rPr lang="en-US" smtClean="0"/>
-              <a:t>36</a:t>
+              <a:t>35</a:t>
             </a:fld>
             <a:endParaRPr lang="en-US"/>
           </a:p>
@@ -4978,7 +2109,7 @@
     </p:spTree>
     <p:extLst>
       <p:ext uri="{BB962C8B-B14F-4D97-AF65-F5344CB8AC3E}">
-        <p14:creationId xmlns:p14="http://schemas.microsoft.com/office/powerpoint/2010/main" val="1008649634"/>
+        <p14:creationId xmlns:p14="http://schemas.microsoft.com/office/powerpoint/2010/main" val="530963023"/>
       </p:ext>
     </p:extLst>
   </p:cSld>
@@ -5032,10 +2163,7 @@
           <a:bodyPr/>
           <a:lstStyle/>
           <a:p>
-            <a:r>
-              <a:rPr lang="en-US"/>
-              <a:t>- Đầu tiên giống như tin về mua bán, tin cho thuê khá ít ở tháng 1 và có xu hướng tăng trở lại trong tháng 2</a:t>
-            </a:r>
+            <a:endParaRPr lang="en-US"/>
           </a:p>
         </p:txBody>
       </p:sp>
@@ -5056,7 +2184,7 @@
           <a:p>
             <a:fld id="{C474D4A1-C440-4CA6-B3F3-A8FB18A8DE4E}" type="slidenum">
               <a:rPr lang="en-US" smtClean="0"/>
-              <a:t>38</a:t>
+              <a:t>36</a:t>
             </a:fld>
             <a:endParaRPr lang="en-US"/>
           </a:p>
@@ -5065,7 +2193,7 @@
     </p:spTree>
     <p:extLst>
       <p:ext uri="{BB962C8B-B14F-4D97-AF65-F5344CB8AC3E}">
-        <p14:creationId xmlns:p14="http://schemas.microsoft.com/office/powerpoint/2010/main" val="3296003067"/>
+        <p14:creationId xmlns:p14="http://schemas.microsoft.com/office/powerpoint/2010/main" val="1008649634"/>
       </p:ext>
     </p:extLst>
   </p:cSld>
@@ -5119,10 +2247,7 @@
           <a:bodyPr/>
           <a:lstStyle/>
           <a:p>
-            <a:r>
-              <a:rPr lang="en-US"/>
-              <a:t>Về cho thuê thì Thủ đức vẫn đang là nơi có số lượng thuê cao vì đa phần giá thuê ở đây thấp, tiếp theo là quận 7 và Bình thạnh</a:t>
-            </a:r>
+            <a:endParaRPr lang="en-US"/>
           </a:p>
         </p:txBody>
       </p:sp>
@@ -5143,7 +2268,7 @@
           <a:p>
             <a:fld id="{C474D4A1-C440-4CA6-B3F3-A8FB18A8DE4E}" type="slidenum">
               <a:rPr lang="en-US" smtClean="0"/>
-              <a:t>39</a:t>
+              <a:t>38</a:t>
             </a:fld>
             <a:endParaRPr lang="en-US"/>
           </a:p>
@@ -5152,7 +2277,7 @@
     </p:spTree>
     <p:extLst>
       <p:ext uri="{BB962C8B-B14F-4D97-AF65-F5344CB8AC3E}">
-        <p14:creationId xmlns:p14="http://schemas.microsoft.com/office/powerpoint/2010/main" val="4090167899"/>
+        <p14:creationId xmlns:p14="http://schemas.microsoft.com/office/powerpoint/2010/main" val="3296003067"/>
       </p:ext>
     </p:extLst>
   </p:cSld>
@@ -5206,10 +2331,7 @@
           <a:bodyPr/>
           <a:lstStyle/>
           <a:p>
-            <a:r>
-              <a:rPr lang="en-US"/>
-              <a:t>Trong các phân khúc thì thuê chung cư đang chiếm số lượng khá nhiều lên tới  62,91% . Còn về giá thì nhà ở là cao nhất với 242,89 nghìn/m2/tháng và thấp nhất là phòng trọ 161.73 nghìn/m2/tháng</a:t>
-            </a:r>
+            <a:endParaRPr lang="en-US"/>
           </a:p>
         </p:txBody>
       </p:sp>
@@ -5230,7 +2352,7 @@
           <a:p>
             <a:fld id="{C474D4A1-C440-4CA6-B3F3-A8FB18A8DE4E}" type="slidenum">
               <a:rPr lang="en-US" smtClean="0"/>
-              <a:t>40</a:t>
+              <a:t>39</a:t>
             </a:fld>
             <a:endParaRPr lang="en-US"/>
           </a:p>
@@ -5239,7 +2361,7 @@
     </p:spTree>
     <p:extLst>
       <p:ext uri="{BB962C8B-B14F-4D97-AF65-F5344CB8AC3E}">
-        <p14:creationId xmlns:p14="http://schemas.microsoft.com/office/powerpoint/2010/main" val="340208782"/>
+        <p14:creationId xmlns:p14="http://schemas.microsoft.com/office/powerpoint/2010/main" val="4090167899"/>
       </p:ext>
     </p:extLst>
   </p:cSld>
@@ -5314,7 +2436,7 @@
           <a:p>
             <a:fld id="{C474D4A1-C440-4CA6-B3F3-A8FB18A8DE4E}" type="slidenum">
               <a:rPr lang="en-US" smtClean="0"/>
-              <a:t>41</a:t>
+              <a:t>40</a:t>
             </a:fld>
             <a:endParaRPr lang="en-US"/>
           </a:p>
@@ -5323,7 +2445,7 @@
     </p:spTree>
     <p:extLst>
       <p:ext uri="{BB962C8B-B14F-4D97-AF65-F5344CB8AC3E}">
-        <p14:creationId xmlns:p14="http://schemas.microsoft.com/office/powerpoint/2010/main" val="2049345691"/>
+        <p14:creationId xmlns:p14="http://schemas.microsoft.com/office/powerpoint/2010/main" val="340208782"/>
       </p:ext>
     </p:extLst>
   </p:cSld>
@@ -5377,10 +2499,7 @@
           <a:bodyPr/>
           <a:lstStyle/>
           <a:p>
-            <a:r>
-              <a:rPr lang="en-US"/>
-              <a:t>Có thể thấy đa phần các phòng trọ có giá dưới trung bình xuất hiện nhiều ở Thủ đức và gò vấp 2 vị trí này có giá thấp nhưng lại khá xa so với trường. Ngoài ra bình thạnh và quận 7 cx có số lượng cho thuê khá nhiều có thể phù hợp với sinh viên</a:t>
-            </a:r>
+            <a:endParaRPr lang="en-US"/>
           </a:p>
         </p:txBody>
       </p:sp>
@@ -5401,7 +2520,7 @@
           <a:p>
             <a:fld id="{C474D4A1-C440-4CA6-B3F3-A8FB18A8DE4E}" type="slidenum">
               <a:rPr lang="en-US" smtClean="0"/>
-              <a:t>42</a:t>
+              <a:t>41</a:t>
             </a:fld>
             <a:endParaRPr lang="en-US"/>
           </a:p>
@@ -5410,7 +2529,7 @@
     </p:spTree>
     <p:extLst>
       <p:ext uri="{BB962C8B-B14F-4D97-AF65-F5344CB8AC3E}">
-        <p14:creationId xmlns:p14="http://schemas.microsoft.com/office/powerpoint/2010/main" val="2627022431"/>
+        <p14:creationId xmlns:p14="http://schemas.microsoft.com/office/powerpoint/2010/main" val="2049345691"/>
       </p:ext>
     </p:extLst>
   </p:cSld>
@@ -5464,142 +2583,7 @@
           <a:bodyPr/>
           <a:lstStyle/>
           <a:p>
-            <a:r>
-              <a:rPr lang="en-US" err="1"/>
-              <a:t>Về</a:t>
-            </a:r>
-            <a:r>
-              <a:rPr lang="en-US"/>
-              <a:t> </a:t>
-            </a:r>
-            <a:r>
-              <a:rPr lang="en-US" err="1"/>
-              <a:t>số</a:t>
-            </a:r>
-            <a:r>
-              <a:rPr lang="en-US"/>
-              <a:t> </a:t>
-            </a:r>
-            <a:r>
-              <a:rPr lang="en-US" err="1"/>
-              <a:t>lượng</a:t>
-            </a:r>
-            <a:r>
-              <a:rPr lang="en-US"/>
-              <a:t> tin </a:t>
-            </a:r>
-            <a:r>
-              <a:rPr lang="en-US" err="1"/>
-              <a:t>lặp</a:t>
-            </a:r>
-            <a:r>
-              <a:rPr lang="en-US"/>
-              <a:t> </a:t>
-            </a:r>
-            <a:r>
-              <a:rPr lang="en-US" err="1"/>
-              <a:t>lại</a:t>
-            </a:r>
-            <a:r>
-              <a:rPr lang="en-US"/>
-              <a:t> ở </a:t>
-            </a:r>
-            <a:r>
-              <a:rPr lang="en-US" err="1"/>
-              <a:t>mỗi</a:t>
-            </a:r>
-            <a:r>
-              <a:rPr lang="en-US"/>
-              <a:t> </a:t>
-            </a:r>
-            <a:r>
-              <a:rPr lang="en-US" err="1"/>
-              <a:t>phân</a:t>
-            </a:r>
-            <a:r>
-              <a:rPr lang="en-US"/>
-              <a:t> </a:t>
-            </a:r>
-            <a:r>
-              <a:rPr lang="en-US" err="1"/>
-              <a:t>khúc</a:t>
-            </a:r>
-            <a:r>
-              <a:rPr lang="en-US"/>
-              <a:t>, </a:t>
-            </a:r>
-            <a:r>
-              <a:rPr lang="en-US" err="1"/>
-              <a:t>đa</a:t>
-            </a:r>
-            <a:r>
-              <a:rPr lang="en-US"/>
-              <a:t> </a:t>
-            </a:r>
-            <a:r>
-              <a:rPr lang="en-US" err="1"/>
-              <a:t>phần</a:t>
-            </a:r>
-            <a:r>
-              <a:rPr lang="en-US"/>
-              <a:t> </a:t>
-            </a:r>
-            <a:r>
-              <a:rPr lang="en-US" err="1"/>
-              <a:t>các</a:t>
-            </a:r>
-            <a:r>
-              <a:rPr lang="en-US"/>
-              <a:t> tin </a:t>
-            </a:r>
-            <a:r>
-              <a:rPr lang="en-US" err="1"/>
-              <a:t>lặp</a:t>
-            </a:r>
-            <a:r>
-              <a:rPr lang="en-US"/>
-              <a:t> </a:t>
-            </a:r>
-            <a:r>
-              <a:rPr lang="en-US" err="1"/>
-              <a:t>lại</a:t>
-            </a:r>
-            <a:r>
-              <a:rPr lang="en-US"/>
-              <a:t> </a:t>
-            </a:r>
-            <a:r>
-              <a:rPr lang="en-US" err="1"/>
-              <a:t>thì</a:t>
-            </a:r>
-            <a:r>
-              <a:rPr lang="en-US"/>
-              <a:t> </a:t>
-            </a:r>
-            <a:r>
-              <a:rPr lang="en-US" err="1"/>
-              <a:t>là</a:t>
-            </a:r>
-            <a:r>
-              <a:rPr lang="en-US"/>
-              <a:t> tin </a:t>
-            </a:r>
-            <a:r>
-              <a:rPr lang="en-US" err="1"/>
-              <a:t>bán</a:t>
-            </a:r>
-            <a:r>
-              <a:rPr lang="en-US"/>
-              <a:t> </a:t>
-            </a:r>
-            <a:r>
-              <a:rPr lang="en-US" err="1"/>
-              <a:t>nhà</a:t>
-            </a:r>
-            <a:r>
-              <a:rPr lang="en-US"/>
-              <a:t> ở </a:t>
-            </a:r>
+            <a:endParaRPr lang="en-US"/>
           </a:p>
         </p:txBody>
       </p:sp>
@@ -5683,10 +2667,7 @@
           <a:bodyPr/>
           <a:lstStyle/>
           <a:p>
-            <a:r>
-              <a:rPr lang="en-US"/>
-              <a:t>Về tiện ích thì tụi em có crawl thêm về số lượng quán ăn có thể thấy nhiều nhất vẫn là thủ đức, và các quận khác nhiều như là phú nhuận và Tân phú.  </a:t>
-            </a:r>
+            <a:endParaRPr lang="en-US"/>
           </a:p>
         </p:txBody>
       </p:sp>
@@ -5707,7 +2688,7 @@
           <a:p>
             <a:fld id="{C474D4A1-C440-4CA6-B3F3-A8FB18A8DE4E}" type="slidenum">
               <a:rPr lang="en-US" smtClean="0"/>
-              <a:t>43</a:t>
+              <a:t>42</a:t>
             </a:fld>
             <a:endParaRPr lang="en-US"/>
           </a:p>
@@ -5716,7 +2697,7 @@
     </p:spTree>
     <p:extLst>
       <p:ext uri="{BB962C8B-B14F-4D97-AF65-F5344CB8AC3E}">
-        <p14:creationId xmlns:p14="http://schemas.microsoft.com/office/powerpoint/2010/main" val="2900922754"/>
+        <p14:creationId xmlns:p14="http://schemas.microsoft.com/office/powerpoint/2010/main" val="2627022431"/>
       </p:ext>
     </p:extLst>
   </p:cSld>
@@ -5770,7 +2751,10 @@
           <a:bodyPr/>
           <a:lstStyle/>
           <a:p>
-            <a:endParaRPr lang="en-US"/>
+            <a:r>
+              <a:rPr lang="en-US"/>
+              <a:t>Về tiện ích thì tụi em có crawl thêm về số lượng quán ăn có thể thấy nhiều nhất vẫn là thủ đức, và các quận khác nhiều như là phú nhuận và Tân phú.  </a:t>
+            </a:r>
           </a:p>
         </p:txBody>
       </p:sp>
@@ -5791,7 +2775,7 @@
           <a:p>
             <a:fld id="{C474D4A1-C440-4CA6-B3F3-A8FB18A8DE4E}" type="slidenum">
               <a:rPr lang="en-US" smtClean="0"/>
-              <a:t>44</a:t>
+              <a:t>43</a:t>
             </a:fld>
             <a:endParaRPr lang="en-US"/>
           </a:p>
@@ -5800,7 +2784,7 @@
     </p:spTree>
     <p:extLst>
       <p:ext uri="{BB962C8B-B14F-4D97-AF65-F5344CB8AC3E}">
-        <p14:creationId xmlns:p14="http://schemas.microsoft.com/office/powerpoint/2010/main" val="2278943790"/>
+        <p14:creationId xmlns:p14="http://schemas.microsoft.com/office/powerpoint/2010/main" val="2900922754"/>
       </p:ext>
     </p:extLst>
   </p:cSld>
@@ -5875,6 +2859,90 @@
           <a:p>
             <a:fld id="{C474D4A1-C440-4CA6-B3F3-A8FB18A8DE4E}" type="slidenum">
               <a:rPr lang="en-US" smtClean="0"/>
+              <a:t>44</a:t>
+            </a:fld>
+            <a:endParaRPr lang="en-US"/>
+          </a:p>
+        </p:txBody>
+      </p:sp>
+    </p:spTree>
+    <p:extLst>
+      <p:ext uri="{BB962C8B-B14F-4D97-AF65-F5344CB8AC3E}">
+        <p14:creationId xmlns:p14="http://schemas.microsoft.com/office/powerpoint/2010/main" val="2278943790"/>
+      </p:ext>
+    </p:extLst>
+  </p:cSld>
+  <p:clrMapOvr>
+    <a:masterClrMapping/>
+  </p:clrMapOvr>
+</p:notes>
+</file>
+
+<file path=ppt/notesSlides/notesSlide33.xml><?xml version="1.0" encoding="utf-8"?>
+<p:notes xmlns:a="http://schemas.openxmlformats.org/drawingml/2006/main" xmlns:r="http://schemas.openxmlformats.org/officeDocument/2006/relationships" xmlns:p="http://schemas.openxmlformats.org/presentationml/2006/main">
+  <p:cSld>
+    <p:spTree>
+      <p:nvGrpSpPr>
+        <p:cNvPr id="1" name=""/>
+        <p:cNvGrpSpPr/>
+        <p:nvPr/>
+      </p:nvGrpSpPr>
+      <p:grpSpPr>
+        <a:xfrm>
+          <a:off x="0" y="0"/>
+          <a:ext cx="0" cy="0"/>
+          <a:chOff x="0" y="0"/>
+          <a:chExt cx="0" cy="0"/>
+        </a:xfrm>
+      </p:grpSpPr>
+      <p:sp>
+        <p:nvSpPr>
+          <p:cNvPr id="2" name="Slide Image Placeholder 1"/>
+          <p:cNvSpPr>
+            <a:spLocks noGrp="1" noRot="1" noChangeAspect="1"/>
+          </p:cNvSpPr>
+          <p:nvPr>
+            <p:ph type="sldImg"/>
+          </p:nvPr>
+        </p:nvSpPr>
+        <p:spPr/>
+      </p:sp>
+      <p:sp>
+        <p:nvSpPr>
+          <p:cNvPr id="3" name="Notes Placeholder 2"/>
+          <p:cNvSpPr>
+            <a:spLocks noGrp="1"/>
+          </p:cNvSpPr>
+          <p:nvPr>
+            <p:ph type="body" idx="1"/>
+          </p:nvPr>
+        </p:nvSpPr>
+        <p:spPr/>
+        <p:txBody>
+          <a:bodyPr/>
+          <a:lstStyle/>
+          <a:p>
+            <a:endParaRPr lang="en-US"/>
+          </a:p>
+        </p:txBody>
+      </p:sp>
+      <p:sp>
+        <p:nvSpPr>
+          <p:cNvPr id="4" name="Slide Number Placeholder 3"/>
+          <p:cNvSpPr>
+            <a:spLocks noGrp="1"/>
+          </p:cNvSpPr>
+          <p:nvPr>
+            <p:ph type="sldNum" sz="quarter" idx="5"/>
+          </p:nvPr>
+        </p:nvSpPr>
+        <p:spPr/>
+        <p:txBody>
+          <a:bodyPr/>
+          <a:lstStyle/>
+          <a:p>
+            <a:fld id="{C474D4A1-C440-4CA6-B3F3-A8FB18A8DE4E}" type="slidenum">
+              <a:rPr lang="en-US" smtClean="0"/>
               <a:t>45</a:t>
             </a:fld>
             <a:endParaRPr lang="en-US"/>
@@ -5894,7 +2962,7 @@
 </p:notes>
 </file>
 
-<file path=ppt/notesSlides/notesSlide33.xml><?xml version="1.0" encoding="utf-8"?>
+<file path=ppt/notesSlides/notesSlide34.xml><?xml version="1.0" encoding="utf-8"?>
 <p:notes xmlns:a="http://schemas.openxmlformats.org/drawingml/2006/main" xmlns:r="http://schemas.openxmlformats.org/officeDocument/2006/relationships" xmlns:p="http://schemas.openxmlformats.org/presentationml/2006/main">
   <p:cSld>
     <p:spTree>
@@ -6090,206 +3158,6 @@
           <a:bodyPr/>
           <a:lstStyle/>
           <a:p>
-            <a:r>
-              <a:rPr lang="en-US"/>
-              <a:t>Trung </a:t>
-            </a:r>
-            <a:r>
-              <a:rPr lang="en-US" err="1"/>
-              <a:t>bình</a:t>
-            </a:r>
-            <a:r>
-              <a:rPr lang="en-US"/>
-              <a:t> </a:t>
-            </a:r>
-            <a:r>
-              <a:rPr lang="en-US" err="1"/>
-              <a:t>số</a:t>
-            </a:r>
-            <a:r>
-              <a:rPr lang="en-US"/>
-              <a:t> tin </a:t>
-            </a:r>
-            <a:r>
-              <a:rPr lang="en-US" err="1"/>
-              <a:t>lặp</a:t>
-            </a:r>
-            <a:r>
-              <a:rPr lang="en-US"/>
-              <a:t> </a:t>
-            </a:r>
-            <a:r>
-              <a:rPr lang="en-US" err="1"/>
-              <a:t>lại</a:t>
-            </a:r>
-            <a:r>
-              <a:rPr lang="en-US"/>
-              <a:t> </a:t>
-            </a:r>
-            <a:r>
-              <a:rPr lang="en-US" err="1"/>
-              <a:t>nhiều</a:t>
-            </a:r>
-            <a:r>
-              <a:rPr lang="en-US"/>
-              <a:t> </a:t>
-            </a:r>
-            <a:r>
-              <a:rPr lang="en-US" err="1"/>
-              <a:t>nhất</a:t>
-            </a:r>
-            <a:r>
-              <a:rPr lang="en-US"/>
-              <a:t> </a:t>
-            </a:r>
-            <a:r>
-              <a:rPr lang="en-US" err="1"/>
-              <a:t>là</a:t>
-            </a:r>
-            <a:r>
-              <a:rPr lang="en-US"/>
-              <a:t> 2 </a:t>
-            </a:r>
-            <a:r>
-              <a:rPr lang="en-US" err="1"/>
-              <a:t>lần</a:t>
-            </a:r>
-            <a:r>
-              <a:rPr lang="en-US"/>
-              <a:t> </a:t>
-            </a:r>
-            <a:r>
-              <a:rPr lang="en-US" err="1"/>
-              <a:t>chiếm</a:t>
-            </a:r>
-            <a:r>
-              <a:rPr lang="en-US"/>
-              <a:t> </a:t>
-            </a:r>
-            <a:r>
-              <a:rPr lang="en-US" err="1"/>
-              <a:t>gần</a:t>
-            </a:r>
-            <a:r>
-              <a:rPr lang="en-US"/>
-              <a:t> 50% </a:t>
-            </a:r>
-            <a:r>
-              <a:rPr lang="en-US" err="1"/>
-              <a:t>có</a:t>
-            </a:r>
-            <a:r>
-              <a:rPr lang="en-US"/>
-              <a:t> </a:t>
-            </a:r>
-            <a:r>
-              <a:rPr lang="en-US" err="1"/>
-              <a:t>thể</a:t>
-            </a:r>
-            <a:r>
-              <a:rPr lang="en-US"/>
-              <a:t> </a:t>
-            </a:r>
-            <a:r>
-              <a:rPr lang="en-US" err="1"/>
-              <a:t>hiểu</a:t>
-            </a:r>
-            <a:r>
-              <a:rPr lang="en-US"/>
-              <a:t> </a:t>
-            </a:r>
-            <a:r>
-              <a:rPr lang="en-US" err="1"/>
-              <a:t>là</a:t>
-            </a:r>
-            <a:r>
-              <a:rPr lang="en-US"/>
-              <a:t> </a:t>
-            </a:r>
-            <a:r>
-              <a:rPr lang="en-US" err="1"/>
-              <a:t>trung</a:t>
-            </a:r>
-            <a:r>
-              <a:rPr lang="en-US"/>
-              <a:t> </a:t>
-            </a:r>
-            <a:r>
-              <a:rPr lang="en-US" err="1"/>
-              <a:t>bình</a:t>
-            </a:r>
-            <a:r>
-              <a:rPr lang="en-US"/>
-              <a:t> </a:t>
-            </a:r>
-            <a:r>
-              <a:rPr lang="en-US" err="1"/>
-              <a:t>khoảng</a:t>
-            </a:r>
-            <a:r>
-              <a:rPr lang="en-US"/>
-              <a:t> 2 </a:t>
-            </a:r>
-            <a:r>
-              <a:rPr lang="en-US" err="1"/>
-              <a:t>lần</a:t>
-            </a:r>
-            <a:r>
-              <a:rPr lang="en-US"/>
-              <a:t> </a:t>
-            </a:r>
-            <a:r>
-              <a:rPr lang="en-US" err="1"/>
-              <a:t>đăng</a:t>
-            </a:r>
-            <a:r>
-              <a:rPr lang="en-US"/>
-              <a:t> tin </a:t>
-            </a:r>
-            <a:r>
-              <a:rPr lang="en-US" err="1"/>
-              <a:t>thì</a:t>
-            </a:r>
-            <a:r>
-              <a:rPr lang="en-US"/>
-              <a:t> </a:t>
-            </a:r>
-            <a:r>
-              <a:rPr lang="en-US" err="1"/>
-              <a:t>có</a:t>
-            </a:r>
-            <a:r>
-              <a:rPr lang="en-US"/>
-              <a:t> </a:t>
-            </a:r>
-            <a:r>
-              <a:rPr lang="en-US" err="1"/>
-              <a:t>thể</a:t>
-            </a:r>
-            <a:r>
-              <a:rPr lang="en-US"/>
-              <a:t> </a:t>
-            </a:r>
-            <a:r>
-              <a:rPr lang="en-US" err="1"/>
-              <a:t>bán</a:t>
-            </a:r>
-            <a:r>
-              <a:rPr lang="en-US"/>
-              <a:t> </a:t>
-            </a:r>
-            <a:r>
-              <a:rPr lang="en-US" err="1"/>
-              <a:t>được</a:t>
-            </a:r>
-            <a:r>
-              <a:rPr lang="en-US"/>
-              <a:t> </a:t>
-            </a:r>
-            <a:r>
-              <a:rPr lang="en-US" err="1"/>
-              <a:t>nhà</a:t>
-            </a:r>
             <a:endParaRPr lang="en-US"/>
           </a:p>
         </p:txBody>
@@ -6374,290 +3242,6 @@
           <a:bodyPr/>
           <a:lstStyle/>
           <a:p>
-            <a:r>
-              <a:rPr lang="en-US" err="1"/>
-              <a:t>Về</a:t>
-            </a:r>
-            <a:r>
-              <a:rPr lang="en-US"/>
-              <a:t> </a:t>
-            </a:r>
-            <a:r>
-              <a:rPr lang="en-US" err="1"/>
-              <a:t>tình</a:t>
-            </a:r>
-            <a:r>
-              <a:rPr lang="en-US"/>
-              <a:t> </a:t>
-            </a:r>
-            <a:r>
-              <a:rPr lang="en-US" err="1"/>
-              <a:t>hình</a:t>
-            </a:r>
-            <a:r>
-              <a:rPr lang="en-US"/>
-              <a:t> </a:t>
-            </a:r>
-            <a:r>
-              <a:rPr lang="en-US" err="1"/>
-              <a:t>bán</a:t>
-            </a:r>
-            <a:r>
-              <a:rPr lang="en-US"/>
-              <a:t>, </a:t>
-            </a:r>
-            <a:r>
-              <a:rPr lang="en-US" err="1"/>
-              <a:t>thì</a:t>
-            </a:r>
-            <a:r>
-              <a:rPr lang="en-US"/>
-              <a:t> </a:t>
-            </a:r>
-            <a:r>
-              <a:rPr lang="en-US" err="1"/>
-              <a:t>các</a:t>
-            </a:r>
-            <a:r>
-              <a:rPr lang="en-US"/>
-              <a:t> </a:t>
-            </a:r>
-            <a:r>
-              <a:rPr lang="en-US" err="1"/>
-              <a:t>địa</a:t>
-            </a:r>
-            <a:r>
-              <a:rPr lang="en-US"/>
-              <a:t> </a:t>
-            </a:r>
-            <a:r>
-              <a:rPr lang="en-US" err="1"/>
-              <a:t>điểm</a:t>
-            </a:r>
-            <a:r>
-              <a:rPr lang="en-US"/>
-              <a:t> </a:t>
-            </a:r>
-            <a:r>
-              <a:rPr lang="en-US" err="1"/>
-              <a:t>như</a:t>
-            </a:r>
-            <a:r>
-              <a:rPr lang="en-US"/>
-              <a:t> </a:t>
-            </a:r>
-            <a:r>
-              <a:rPr lang="en-US" err="1"/>
-              <a:t>thành</a:t>
-            </a:r>
-            <a:r>
-              <a:rPr lang="en-US"/>
-              <a:t> </a:t>
-            </a:r>
-            <a:r>
-              <a:rPr lang="en-US" err="1"/>
-              <a:t>phố</a:t>
-            </a:r>
-            <a:r>
-              <a:rPr lang="en-US"/>
-              <a:t> </a:t>
-            </a:r>
-            <a:r>
-              <a:rPr lang="en-US" err="1"/>
-              <a:t>thủ</a:t>
-            </a:r>
-            <a:r>
-              <a:rPr lang="en-US"/>
-              <a:t> </a:t>
-            </a:r>
-            <a:r>
-              <a:rPr lang="en-US" err="1"/>
-              <a:t>đức</a:t>
-            </a:r>
-            <a:r>
-              <a:rPr lang="en-US"/>
-              <a:t> , </a:t>
-            </a:r>
-            <a:r>
-              <a:rPr lang="en-US" err="1"/>
-              <a:t>quận</a:t>
-            </a:r>
-            <a:r>
-              <a:rPr lang="en-US"/>
-              <a:t> 7, </a:t>
-            </a:r>
-            <a:r>
-              <a:rPr lang="en-US" err="1"/>
-              <a:t>bình</a:t>
-            </a:r>
-            <a:r>
-              <a:rPr lang="en-US"/>
-              <a:t> </a:t>
-            </a:r>
-            <a:r>
-              <a:rPr lang="en-US" err="1"/>
-              <a:t>thạnh</a:t>
-            </a:r>
-            <a:r>
-              <a:rPr lang="en-US"/>
-              <a:t> </a:t>
-            </a:r>
-            <a:r>
-              <a:rPr lang="en-US" err="1"/>
-              <a:t>và</a:t>
-            </a:r>
-            <a:r>
-              <a:rPr lang="en-US"/>
-              <a:t> </a:t>
-            </a:r>
-            <a:r>
-              <a:rPr lang="en-US" err="1"/>
-              <a:t>tân</a:t>
-            </a:r>
-            <a:r>
-              <a:rPr lang="en-US"/>
-              <a:t> </a:t>
-            </a:r>
-            <a:r>
-              <a:rPr lang="en-US" err="1"/>
-              <a:t>bình</a:t>
-            </a:r>
-            <a:r>
-              <a:rPr lang="en-US"/>
-              <a:t> </a:t>
-            </a:r>
-            <a:r>
-              <a:rPr lang="en-US" err="1"/>
-              <a:t>đang</a:t>
-            </a:r>
-            <a:r>
-              <a:rPr lang="en-US"/>
-              <a:t> </a:t>
-            </a:r>
-            <a:r>
-              <a:rPr lang="en-US" err="1"/>
-              <a:t>là</a:t>
-            </a:r>
-            <a:r>
-              <a:rPr lang="en-US"/>
-              <a:t> </a:t>
-            </a:r>
-            <a:r>
-              <a:rPr lang="en-US" err="1"/>
-              <a:t>những</a:t>
-            </a:r>
-            <a:r>
-              <a:rPr lang="en-US"/>
-              <a:t> </a:t>
-            </a:r>
-            <a:r>
-              <a:rPr lang="en-US" err="1"/>
-              <a:t>nơi</a:t>
-            </a:r>
-            <a:r>
-              <a:rPr lang="en-US"/>
-              <a:t> </a:t>
-            </a:r>
-            <a:r>
-              <a:rPr lang="en-US" err="1"/>
-              <a:t>có</a:t>
-            </a:r>
-            <a:r>
-              <a:rPr lang="en-US"/>
-              <a:t> </a:t>
-            </a:r>
-            <a:r>
-              <a:rPr lang="en-US" err="1"/>
-              <a:t>số</a:t>
-            </a:r>
-            <a:r>
-              <a:rPr lang="en-US"/>
-              <a:t> tin </a:t>
-            </a:r>
-            <a:r>
-              <a:rPr lang="en-US" err="1"/>
-              <a:t>đăng</a:t>
-            </a:r>
-            <a:r>
-              <a:rPr lang="en-US"/>
-              <a:t> </a:t>
-            </a:r>
-            <a:r>
-              <a:rPr lang="en-US" err="1"/>
-              <a:t>bán</a:t>
-            </a:r>
-            <a:r>
-              <a:rPr lang="en-US"/>
-              <a:t> </a:t>
-            </a:r>
-            <a:r>
-              <a:rPr lang="en-US" err="1"/>
-              <a:t>nhiều</a:t>
-            </a:r>
-            <a:r>
-              <a:rPr lang="en-US"/>
-              <a:t>. Trong </a:t>
-            </a:r>
-            <a:r>
-              <a:rPr lang="en-US" err="1"/>
-              <a:t>đó</a:t>
-            </a:r>
-            <a:r>
-              <a:rPr lang="en-US"/>
-              <a:t> </a:t>
-            </a:r>
-            <a:r>
-              <a:rPr lang="en-US" err="1"/>
-              <a:t>nhiều</a:t>
-            </a:r>
-            <a:r>
-              <a:rPr lang="en-US"/>
-              <a:t> </a:t>
-            </a:r>
-            <a:r>
-              <a:rPr lang="en-US" err="1"/>
-              <a:t>nhất</a:t>
-            </a:r>
-            <a:r>
-              <a:rPr lang="en-US"/>
-              <a:t> </a:t>
-            </a:r>
-            <a:r>
-              <a:rPr lang="en-US" err="1"/>
-              <a:t>vẫn</a:t>
-            </a:r>
-            <a:r>
-              <a:rPr lang="en-US"/>
-              <a:t> </a:t>
-            </a:r>
-            <a:r>
-              <a:rPr lang="en-US" err="1"/>
-              <a:t>là</a:t>
-            </a:r>
-            <a:r>
-              <a:rPr lang="en-US"/>
-              <a:t> </a:t>
-            </a:r>
-            <a:r>
-              <a:rPr lang="en-US" err="1"/>
-              <a:t>tp</a:t>
-            </a:r>
-            <a:r>
-              <a:rPr lang="en-US"/>
-              <a:t> </a:t>
-            </a:r>
-            <a:r>
-              <a:rPr lang="en-US" err="1"/>
-              <a:t>Thủ</a:t>
-            </a:r>
-            <a:r>
-              <a:rPr lang="en-US"/>
-              <a:t> </a:t>
-            </a:r>
-            <a:r>
-              <a:rPr lang="en-US" err="1"/>
-              <a:t>Đức</a:t>
-            </a:r>
             <a:endParaRPr lang="en-US"/>
           </a:p>
         </p:txBody>
@@ -6742,110 +3326,7 @@
           <a:bodyPr/>
           <a:lstStyle/>
           <a:p>
-            <a:r>
-              <a:rPr lang="en-US" err="1"/>
-              <a:t>Về</a:t>
-            </a:r>
-            <a:r>
-              <a:rPr lang="en-US"/>
-              <a:t> Mua </a:t>
-            </a:r>
-            <a:r>
-              <a:rPr lang="en-US" err="1"/>
-              <a:t>bán</a:t>
-            </a:r>
-            <a:r>
-              <a:rPr lang="en-US"/>
-              <a:t> </a:t>
-            </a:r>
-            <a:r>
-              <a:rPr lang="en-US" err="1"/>
-              <a:t>nhà</a:t>
-            </a:r>
-            <a:r>
-              <a:rPr lang="en-US"/>
-              <a:t> , </a:t>
-            </a:r>
-            <a:r>
-              <a:rPr lang="en-US" err="1"/>
-              <a:t>số</a:t>
-            </a:r>
-            <a:r>
-              <a:rPr lang="en-US"/>
-              <a:t> tin </a:t>
-            </a:r>
-            <a:r>
-              <a:rPr lang="en-US" err="1"/>
-              <a:t>bán</a:t>
-            </a:r>
-            <a:r>
-              <a:rPr lang="en-US"/>
-              <a:t> </a:t>
-            </a:r>
-            <a:r>
-              <a:rPr lang="en-US" err="1"/>
-              <a:t>nhà</a:t>
-            </a:r>
-            <a:r>
-              <a:rPr lang="en-US"/>
-              <a:t> ở </a:t>
-            </a:r>
-            <a:r>
-              <a:rPr lang="en-US" err="1"/>
-              <a:t>vẫn</a:t>
-            </a:r>
-            <a:r>
-              <a:rPr lang="en-US"/>
-              <a:t> </a:t>
-            </a:r>
-            <a:r>
-              <a:rPr lang="en-US" err="1"/>
-              <a:t>tập</a:t>
-            </a:r>
-            <a:r>
-              <a:rPr lang="en-US"/>
-              <a:t> </a:t>
-            </a:r>
-            <a:r>
-              <a:rPr lang="en-US" err="1"/>
-              <a:t>trung</a:t>
-            </a:r>
-            <a:r>
-              <a:rPr lang="en-US"/>
-              <a:t> </a:t>
-            </a:r>
-            <a:r>
-              <a:rPr lang="en-US" err="1"/>
-              <a:t>bán</a:t>
-            </a:r>
-            <a:r>
-              <a:rPr lang="en-US"/>
-              <a:t> </a:t>
-            </a:r>
-            <a:r>
-              <a:rPr lang="en-US" err="1"/>
-              <a:t>nhiều</a:t>
-            </a:r>
-            <a:r>
-              <a:rPr lang="en-US"/>
-              <a:t>  ở </a:t>
-            </a:r>
-            <a:r>
-              <a:rPr lang="en-US" err="1"/>
-              <a:t>Thủ</a:t>
-            </a:r>
-            <a:r>
-              <a:rPr lang="en-US"/>
-              <a:t> </a:t>
-            </a:r>
-            <a:r>
-              <a:rPr lang="en-US" err="1"/>
-              <a:t>Đức</a:t>
-            </a:r>
-            <a:r>
-              <a:rPr lang="en-US"/>
-              <a:t> .  Các quận 7 , Tân bình, Bình thạnh có tỷ lệ xem xem nhau</a:t>
-            </a:r>
+            <a:endParaRPr lang="en-US"/>
           </a:p>
         </p:txBody>
       </p:sp>
@@ -6866,7 +3347,7 @@
           <a:p>
             <a:fld id="{C474D4A1-C440-4CA6-B3F3-A8FB18A8DE4E}" type="slidenum">
               <a:rPr lang="en-US" smtClean="0"/>
-              <a:t>11</a:t>
+              <a:t>10</a:t>
             </a:fld>
             <a:endParaRPr lang="en-US"/>
           </a:p>
@@ -6875,7 +3356,7 @@
     </p:spTree>
     <p:extLst>
       <p:ext uri="{BB962C8B-B14F-4D97-AF65-F5344CB8AC3E}">
-        <p14:creationId xmlns:p14="http://schemas.microsoft.com/office/powerpoint/2010/main" val="2996036217"/>
+        <p14:creationId xmlns:p14="http://schemas.microsoft.com/office/powerpoint/2010/main" val="1644585545"/>
       </p:ext>
     </p:extLst>
   </p:cSld>
@@ -6929,326 +3410,7 @@
           <a:bodyPr/>
           <a:lstStyle/>
           <a:p>
-            <a:r>
-              <a:rPr lang="en-US" err="1"/>
-              <a:t>Về</a:t>
-            </a:r>
-            <a:r>
-              <a:rPr lang="en-US"/>
-              <a:t> </a:t>
-            </a:r>
-            <a:r>
-              <a:rPr lang="en-US" err="1"/>
-              <a:t>giá</a:t>
-            </a:r>
-            <a:r>
-              <a:rPr lang="en-US"/>
-              <a:t> </a:t>
-            </a:r>
-            <a:r>
-              <a:rPr lang="en-US" err="1"/>
-              <a:t>nhà</a:t>
-            </a:r>
-            <a:r>
-              <a:rPr lang="en-US"/>
-              <a:t> ở </a:t>
-            </a:r>
-            <a:r>
-              <a:rPr lang="en-US" err="1"/>
-              <a:t>trung</a:t>
-            </a:r>
-            <a:r>
-              <a:rPr lang="en-US"/>
-              <a:t> </a:t>
-            </a:r>
-            <a:r>
-              <a:rPr lang="en-US" err="1"/>
-              <a:t>bình</a:t>
-            </a:r>
-            <a:r>
-              <a:rPr lang="en-US"/>
-              <a:t>, </a:t>
-            </a:r>
-            <a:r>
-              <a:rPr lang="en-US" err="1"/>
-              <a:t>thì</a:t>
-            </a:r>
-            <a:r>
-              <a:rPr lang="en-US"/>
-              <a:t> </a:t>
-            </a:r>
-            <a:r>
-              <a:rPr lang="en-US" err="1"/>
-              <a:t>vẫn</a:t>
-            </a:r>
-            <a:r>
-              <a:rPr lang="en-US"/>
-              <a:t> </a:t>
-            </a:r>
-            <a:r>
-              <a:rPr lang="en-US" err="1"/>
-              <a:t>như</a:t>
-            </a:r>
-            <a:r>
-              <a:rPr lang="en-US"/>
-              <a:t> </a:t>
-            </a:r>
-            <a:r>
-              <a:rPr lang="en-US" err="1"/>
-              <a:t>bình</a:t>
-            </a:r>
-            <a:r>
-              <a:rPr lang="en-US"/>
-              <a:t> </a:t>
-            </a:r>
-            <a:r>
-              <a:rPr lang="en-US" err="1"/>
-              <a:t>thường</a:t>
-            </a:r>
-            <a:r>
-              <a:rPr lang="en-US"/>
-              <a:t> </a:t>
-            </a:r>
-            <a:r>
-              <a:rPr lang="en-US" err="1"/>
-              <a:t>thì</a:t>
-            </a:r>
-            <a:r>
-              <a:rPr lang="en-US"/>
-              <a:t> </a:t>
-            </a:r>
-            <a:r>
-              <a:rPr lang="en-US" err="1"/>
-              <a:t>các</a:t>
-            </a:r>
-            <a:r>
-              <a:rPr lang="en-US"/>
-              <a:t> </a:t>
-            </a:r>
-            <a:r>
-              <a:rPr lang="en-US" err="1"/>
-              <a:t>quận</a:t>
-            </a:r>
-            <a:r>
-              <a:rPr lang="en-US"/>
-              <a:t> ở </a:t>
-            </a:r>
-            <a:r>
-              <a:rPr lang="en-US" err="1"/>
-              <a:t>trung</a:t>
-            </a:r>
-            <a:r>
-              <a:rPr lang="en-US"/>
-              <a:t> </a:t>
-            </a:r>
-            <a:r>
-              <a:rPr lang="en-US" err="1"/>
-              <a:t>tâm</a:t>
-            </a:r>
-            <a:r>
-              <a:rPr lang="en-US"/>
-              <a:t> </a:t>
-            </a:r>
-            <a:r>
-              <a:rPr lang="en-US" err="1"/>
-              <a:t>thì</a:t>
-            </a:r>
-            <a:r>
-              <a:rPr lang="en-US"/>
-              <a:t> </a:t>
-            </a:r>
-            <a:r>
-              <a:rPr lang="en-US" err="1"/>
-              <a:t>có</a:t>
-            </a:r>
-            <a:r>
-              <a:rPr lang="en-US"/>
-              <a:t> </a:t>
-            </a:r>
-            <a:r>
-              <a:rPr lang="en-US" err="1"/>
-              <a:t>giá</a:t>
-            </a:r>
-            <a:r>
-              <a:rPr lang="en-US"/>
-              <a:t> </a:t>
-            </a:r>
-            <a:r>
-              <a:rPr lang="en-US" err="1"/>
-              <a:t>cao</a:t>
-            </a:r>
-            <a:r>
-              <a:rPr lang="en-US"/>
-              <a:t> </a:t>
-            </a:r>
-            <a:r>
-              <a:rPr lang="en-US" err="1"/>
-              <a:t>hơn</a:t>
-            </a:r>
-            <a:r>
-              <a:rPr lang="en-US"/>
-              <a:t> </a:t>
-            </a:r>
-            <a:r>
-              <a:rPr lang="en-US" err="1"/>
-              <a:t>sao</a:t>
-            </a:r>
-            <a:r>
-              <a:rPr lang="en-US"/>
-              <a:t> , </a:t>
-            </a:r>
-            <a:r>
-              <a:rPr lang="en-US" err="1"/>
-              <a:t>với</a:t>
-            </a:r>
-            <a:r>
-              <a:rPr lang="en-US"/>
-              <a:t> </a:t>
-            </a:r>
-            <a:r>
-              <a:rPr lang="en-US" err="1"/>
-              <a:t>các</a:t>
-            </a:r>
-            <a:r>
-              <a:rPr lang="en-US"/>
-              <a:t> </a:t>
-            </a:r>
-            <a:r>
-              <a:rPr lang="en-US" err="1"/>
-              <a:t>quận</a:t>
-            </a:r>
-            <a:r>
-              <a:rPr lang="en-US"/>
-              <a:t> ở </a:t>
-            </a:r>
-            <a:r>
-              <a:rPr lang="en-US" err="1"/>
-              <a:t>ngoại</a:t>
-            </a:r>
-            <a:r>
-              <a:rPr lang="en-US"/>
-              <a:t> </a:t>
-            </a:r>
-            <a:r>
-              <a:rPr lang="en-US" err="1"/>
-              <a:t>thành</a:t>
-            </a:r>
-            <a:r>
-              <a:rPr lang="en-US"/>
-              <a:t>, </a:t>
-            </a:r>
-            <a:r>
-              <a:rPr lang="en-US" err="1"/>
-              <a:t>hiện</a:t>
-            </a:r>
-            <a:r>
-              <a:rPr lang="en-US"/>
-              <a:t> </a:t>
-            </a:r>
-            <a:r>
-              <a:rPr lang="en-US" err="1"/>
-              <a:t>tại</a:t>
-            </a:r>
-            <a:r>
-              <a:rPr lang="en-US"/>
-              <a:t> </a:t>
-            </a:r>
-            <a:r>
-              <a:rPr lang="en-US" err="1"/>
-              <a:t>cao</a:t>
-            </a:r>
-            <a:r>
-              <a:rPr lang="en-US"/>
-              <a:t> </a:t>
-            </a:r>
-            <a:r>
-              <a:rPr lang="en-US" err="1"/>
-              <a:t>nhất</a:t>
-            </a:r>
-            <a:r>
-              <a:rPr lang="en-US"/>
-              <a:t> </a:t>
-            </a:r>
-            <a:r>
-              <a:rPr lang="en-US" err="1"/>
-              <a:t>vẫn</a:t>
-            </a:r>
-            <a:r>
-              <a:rPr lang="en-US"/>
-              <a:t> </a:t>
-            </a:r>
-            <a:r>
-              <a:rPr lang="en-US" err="1"/>
-              <a:t>là</a:t>
-            </a:r>
-            <a:r>
-              <a:rPr lang="en-US"/>
-              <a:t> ở </a:t>
-            </a:r>
-            <a:r>
-              <a:rPr lang="en-US" err="1"/>
-              <a:t>quận</a:t>
-            </a:r>
-            <a:r>
-              <a:rPr lang="en-US"/>
-              <a:t> 1 </a:t>
-            </a:r>
-            <a:r>
-              <a:rPr lang="en-US" err="1"/>
-              <a:t>với</a:t>
-            </a:r>
-            <a:r>
-              <a:rPr lang="en-US"/>
-              <a:t> </a:t>
-            </a:r>
-            <a:r>
-              <a:rPr lang="en-US" err="1"/>
-              <a:t>mức</a:t>
-            </a:r>
-            <a:r>
-              <a:rPr lang="en-US"/>
-              <a:t> </a:t>
-            </a:r>
-            <a:r>
-              <a:rPr lang="en-US" err="1"/>
-              <a:t>giá</a:t>
-            </a:r>
-            <a:r>
-              <a:rPr lang="en-US"/>
-              <a:t> </a:t>
-            </a:r>
-            <a:r>
-              <a:rPr lang="en-US" err="1"/>
-              <a:t>trung</a:t>
-            </a:r>
-            <a:r>
-              <a:rPr lang="en-US"/>
-              <a:t> </a:t>
-            </a:r>
-            <a:r>
-              <a:rPr lang="en-US" err="1"/>
-              <a:t>bình</a:t>
-            </a:r>
-            <a:r>
-              <a:rPr lang="en-US"/>
-              <a:t> </a:t>
-            </a:r>
-            <a:r>
-              <a:rPr lang="en-US" err="1"/>
-              <a:t>trên</a:t>
-            </a:r>
-            <a:r>
-              <a:rPr lang="en-US"/>
-              <a:t> /m2  </a:t>
-            </a:r>
-            <a:r>
-              <a:rPr lang="en-US" err="1"/>
-              <a:t>gần</a:t>
-            </a:r>
-            <a:r>
-              <a:rPr lang="en-US"/>
-              <a:t> 400tr</a:t>
-            </a:r>
+            <a:endParaRPr lang="en-US"/>
           </a:p>
         </p:txBody>
       </p:sp>
@@ -7269,7 +3431,7 @@
           <a:p>
             <a:fld id="{C474D4A1-C440-4CA6-B3F3-A8FB18A8DE4E}" type="slidenum">
               <a:rPr lang="en-US" smtClean="0"/>
-              <a:t>12</a:t>
+              <a:t>11</a:t>
             </a:fld>
             <a:endParaRPr lang="en-US"/>
           </a:p>
@@ -7278,7 +3440,7 @@
     </p:spTree>
     <p:extLst>
       <p:ext uri="{BB962C8B-B14F-4D97-AF65-F5344CB8AC3E}">
-        <p14:creationId xmlns:p14="http://schemas.microsoft.com/office/powerpoint/2010/main" val="1299791429"/>
+        <p14:creationId xmlns:p14="http://schemas.microsoft.com/office/powerpoint/2010/main" val="2996036217"/>
       </p:ext>
     </p:extLst>
   </p:cSld>
@@ -7332,130 +3494,6 @@
           <a:bodyPr/>
           <a:lstStyle/>
           <a:p>
-            <a:r>
-              <a:rPr lang="en-US" err="1"/>
-              <a:t>Về</a:t>
-            </a:r>
-            <a:r>
-              <a:rPr lang="en-US"/>
-              <a:t> Bán </a:t>
-            </a:r>
-            <a:r>
-              <a:rPr lang="en-US" err="1"/>
-              <a:t>chung</a:t>
-            </a:r>
-            <a:r>
-              <a:rPr lang="en-US"/>
-              <a:t> </a:t>
-            </a:r>
-            <a:r>
-              <a:rPr lang="en-US" err="1"/>
-              <a:t>cư</a:t>
-            </a:r>
-            <a:r>
-              <a:rPr lang="en-US"/>
-              <a:t>, </a:t>
-            </a:r>
-            <a:r>
-              <a:rPr lang="en-US" err="1"/>
-              <a:t>Thủ</a:t>
-            </a:r>
-            <a:r>
-              <a:rPr lang="en-US"/>
-              <a:t> </a:t>
-            </a:r>
-            <a:r>
-              <a:rPr lang="en-US" err="1"/>
-              <a:t>Đức</a:t>
-            </a:r>
-            <a:r>
-              <a:rPr lang="en-US"/>
-              <a:t> </a:t>
-            </a:r>
-            <a:r>
-              <a:rPr lang="en-US" err="1"/>
-              <a:t>và</a:t>
-            </a:r>
-            <a:r>
-              <a:rPr lang="en-US"/>
-              <a:t> </a:t>
-            </a:r>
-            <a:r>
-              <a:rPr lang="en-US" err="1"/>
-              <a:t>quận</a:t>
-            </a:r>
-            <a:r>
-              <a:rPr lang="en-US"/>
-              <a:t> 7 </a:t>
-            </a:r>
-            <a:r>
-              <a:rPr lang="en-US" err="1"/>
-              <a:t>chiếm</a:t>
-            </a:r>
-            <a:r>
-              <a:rPr lang="en-US"/>
-              <a:t> </a:t>
-            </a:r>
-            <a:r>
-              <a:rPr lang="en-US" err="1"/>
-              <a:t>gần</a:t>
-            </a:r>
-            <a:r>
-              <a:rPr lang="en-US"/>
-              <a:t> 50% tin </a:t>
-            </a:r>
-            <a:r>
-              <a:rPr lang="en-US" err="1"/>
-              <a:t>đăng</a:t>
-            </a:r>
-            <a:r>
-              <a:rPr lang="en-US"/>
-              <a:t> </a:t>
-            </a:r>
-            <a:r>
-              <a:rPr lang="en-US" err="1"/>
-              <a:t>bán</a:t>
-            </a:r>
-            <a:r>
-              <a:rPr lang="en-US"/>
-              <a:t> </a:t>
-            </a:r>
-            <a:r>
-              <a:rPr lang="en-US" err="1"/>
-              <a:t>chung</a:t>
-            </a:r>
-            <a:r>
-              <a:rPr lang="en-US"/>
-              <a:t> </a:t>
-            </a:r>
-            <a:r>
-              <a:rPr lang="en-US" err="1"/>
-              <a:t>cư</a:t>
-            </a:r>
-            <a:r>
-              <a:rPr lang="en-US"/>
-              <a:t> </a:t>
-            </a:r>
-            <a:r>
-              <a:rPr lang="en-US" err="1"/>
-              <a:t>trong</a:t>
-            </a:r>
-            <a:r>
-              <a:rPr lang="en-US"/>
-              <a:t> </a:t>
-            </a:r>
-            <a:r>
-              <a:rPr lang="en-US" err="1"/>
-              <a:t>đợt</a:t>
-            </a:r>
-            <a:r>
-              <a:rPr lang="en-US"/>
-              <a:t> </a:t>
-            </a:r>
-            <a:r>
-              <a:rPr lang="en-US" err="1"/>
-              <a:t>này</a:t>
-            </a:r>
             <a:endParaRPr lang="en-US"/>
           </a:p>
         </p:txBody>
@@ -7477,7 +3515,7 @@
           <a:p>
             <a:fld id="{C474D4A1-C440-4CA6-B3F3-A8FB18A8DE4E}" type="slidenum">
               <a:rPr lang="en-US" smtClean="0"/>
-              <a:t>14</a:t>
+              <a:t>12</a:t>
             </a:fld>
             <a:endParaRPr lang="en-US"/>
           </a:p>
@@ -7486,7 +3524,7 @@
     </p:spTree>
     <p:extLst>
       <p:ext uri="{BB962C8B-B14F-4D97-AF65-F5344CB8AC3E}">
-        <p14:creationId xmlns:p14="http://schemas.microsoft.com/office/powerpoint/2010/main" val="310947838"/>
+        <p14:creationId xmlns:p14="http://schemas.microsoft.com/office/powerpoint/2010/main" val="1299791429"/>
       </p:ext>
     </p:extLst>
   </p:cSld>
@@ -7540,214 +3578,7 @@
           <a:bodyPr/>
           <a:lstStyle/>
           <a:p>
-            <a:r>
-              <a:rPr lang="en-US" err="1"/>
-              <a:t>Nếu</a:t>
-            </a:r>
-            <a:r>
-              <a:rPr lang="en-US"/>
-              <a:t> chia </a:t>
-            </a:r>
-            <a:r>
-              <a:rPr lang="en-US" err="1"/>
-              <a:t>theo</a:t>
-            </a:r>
-            <a:r>
-              <a:rPr lang="en-US"/>
-              <a:t> </a:t>
-            </a:r>
-            <a:r>
-              <a:rPr lang="en-US" err="1"/>
-              <a:t>các</a:t>
-            </a:r>
-            <a:r>
-              <a:rPr lang="en-US"/>
-              <a:t> </a:t>
-            </a:r>
-            <a:r>
-              <a:rPr lang="en-US" err="1"/>
-              <a:t>phân</a:t>
-            </a:r>
-            <a:r>
-              <a:rPr lang="en-US"/>
-              <a:t> </a:t>
-            </a:r>
-            <a:r>
-              <a:rPr lang="en-US" err="1"/>
-              <a:t>khúc</a:t>
-            </a:r>
-            <a:r>
-              <a:rPr lang="en-US"/>
-              <a:t>, </a:t>
-            </a:r>
-            <a:r>
-              <a:rPr lang="en-US" err="1"/>
-              <a:t>thì</a:t>
-            </a:r>
-            <a:r>
-              <a:rPr lang="en-US"/>
-              <a:t> </a:t>
-            </a:r>
-            <a:r>
-              <a:rPr lang="en-US" err="1"/>
-              <a:t>đa</a:t>
-            </a:r>
-            <a:r>
-              <a:rPr lang="en-US"/>
-              <a:t> </a:t>
-            </a:r>
-            <a:r>
-              <a:rPr lang="en-US" err="1"/>
-              <a:t>phần</a:t>
-            </a:r>
-            <a:r>
-              <a:rPr lang="en-US"/>
-              <a:t> </a:t>
-            </a:r>
-            <a:r>
-              <a:rPr lang="en-US" err="1"/>
-              <a:t>những</a:t>
-            </a:r>
-            <a:r>
-              <a:rPr lang="en-US"/>
-              <a:t> </a:t>
-            </a:r>
-            <a:r>
-              <a:rPr lang="en-US" err="1"/>
-              <a:t>căn</a:t>
-            </a:r>
-            <a:r>
-              <a:rPr lang="en-US"/>
-              <a:t> </a:t>
-            </a:r>
-            <a:r>
-              <a:rPr lang="en-US" err="1"/>
-              <a:t>chung</a:t>
-            </a:r>
-            <a:r>
-              <a:rPr lang="en-US"/>
-              <a:t> </a:t>
-            </a:r>
-            <a:r>
-              <a:rPr lang="en-US" err="1"/>
-              <a:t>cư</a:t>
-            </a:r>
-            <a:r>
-              <a:rPr lang="en-US"/>
-              <a:t> </a:t>
-            </a:r>
-            <a:r>
-              <a:rPr lang="en-US" err="1"/>
-              <a:t>được</a:t>
-            </a:r>
-            <a:r>
-              <a:rPr lang="en-US"/>
-              <a:t> </a:t>
-            </a:r>
-            <a:r>
-              <a:rPr lang="en-US" err="1"/>
-              <a:t>bán</a:t>
-            </a:r>
-            <a:r>
-              <a:rPr lang="en-US"/>
-              <a:t> </a:t>
-            </a:r>
-            <a:r>
-              <a:rPr lang="en-US" err="1"/>
-              <a:t>có</a:t>
-            </a:r>
-            <a:r>
-              <a:rPr lang="en-US"/>
-              <a:t> 2 </a:t>
-            </a:r>
-            <a:r>
-              <a:rPr lang="en-US" err="1"/>
-              <a:t>phòng</a:t>
-            </a:r>
-            <a:r>
-              <a:rPr lang="en-US"/>
-              <a:t> </a:t>
-            </a:r>
-            <a:r>
-              <a:rPr lang="en-US" err="1"/>
-              <a:t>ngủ</a:t>
-            </a:r>
-            <a:r>
-              <a:rPr lang="en-US"/>
-              <a:t> </a:t>
-            </a:r>
-            <a:r>
-              <a:rPr lang="en-US" err="1"/>
-              <a:t>và</a:t>
-            </a:r>
-            <a:r>
-              <a:rPr lang="en-US"/>
-              <a:t> 3 </a:t>
-            </a:r>
-            <a:r>
-              <a:rPr lang="en-US" err="1"/>
-              <a:t>phòng</a:t>
-            </a:r>
-            <a:r>
-              <a:rPr lang="en-US"/>
-              <a:t> </a:t>
-            </a:r>
-            <a:r>
-              <a:rPr lang="en-US" err="1"/>
-              <a:t>ngủ</a:t>
-            </a:r>
-            <a:r>
-              <a:rPr lang="en-US"/>
-              <a:t> </a:t>
-            </a:r>
-            <a:r>
-              <a:rPr lang="en-US" err="1"/>
-              <a:t>trong</a:t>
-            </a:r>
-            <a:r>
-              <a:rPr lang="en-US"/>
-              <a:t> </a:t>
-            </a:r>
-            <a:r>
-              <a:rPr lang="en-US" err="1"/>
-              <a:t>đó</a:t>
-            </a:r>
-            <a:r>
-              <a:rPr lang="en-US"/>
-              <a:t> 2 </a:t>
-            </a:r>
-            <a:r>
-              <a:rPr lang="en-US" err="1"/>
-              <a:t>phòng</a:t>
-            </a:r>
-            <a:r>
-              <a:rPr lang="en-US"/>
-              <a:t> </a:t>
-            </a:r>
-            <a:r>
-              <a:rPr lang="en-US" err="1"/>
-              <a:t>ngủ</a:t>
-            </a:r>
-            <a:r>
-              <a:rPr lang="en-US"/>
-              <a:t> </a:t>
-            </a:r>
-            <a:r>
-              <a:rPr lang="en-US" err="1"/>
-              <a:t>là</a:t>
-            </a:r>
-            <a:r>
-              <a:rPr lang="en-US"/>
-              <a:t> </a:t>
-            </a:r>
-            <a:r>
-              <a:rPr lang="en-US" err="1"/>
-              <a:t>nhiều</a:t>
-            </a:r>
-            <a:r>
-              <a:rPr lang="en-US"/>
-              <a:t> nhất</a:t>
-            </a:r>
+            <a:endParaRPr lang="en-US"/>
           </a:p>
         </p:txBody>
       </p:sp>
@@ -7768,7 +3599,7 @@
           <a:p>
             <a:fld id="{C474D4A1-C440-4CA6-B3F3-A8FB18A8DE4E}" type="slidenum">
               <a:rPr lang="en-US" smtClean="0"/>
-              <a:t>15</a:t>
+              <a:t>14</a:t>
             </a:fld>
             <a:endParaRPr lang="en-US"/>
           </a:p>
@@ -7777,7 +3608,7 @@
     </p:spTree>
     <p:extLst>
       <p:ext uri="{BB962C8B-B14F-4D97-AF65-F5344CB8AC3E}">
-        <p14:creationId xmlns:p14="http://schemas.microsoft.com/office/powerpoint/2010/main" val="3485224450"/>
+        <p14:creationId xmlns:p14="http://schemas.microsoft.com/office/powerpoint/2010/main" val="310947838"/>
       </p:ext>
     </p:extLst>
   </p:cSld>
@@ -7967,7 +3798,7 @@
             <a:fld id="{1D8BD707-D9CF-40AE-B4C6-C98DA3205C09}" type="datetimeFigureOut">
               <a:rPr lang="en-US" smtClean="0"/>
               <a:pPr/>
-              <a:t>4/15/2024</a:t>
+              <a:t>4/28/2024</a:t>
             </a:fld>
             <a:endParaRPr lang="en-US"/>
           </a:p>
@@ -8132,7 +3963,7 @@
             <a:fld id="{1D8BD707-D9CF-40AE-B4C6-C98DA3205C09}" type="datetimeFigureOut">
               <a:rPr lang="en-US" smtClean="0"/>
               <a:pPr/>
-              <a:t>4/15/2024</a:t>
+              <a:t>4/28/2024</a:t>
             </a:fld>
             <a:endParaRPr lang="en-US"/>
           </a:p>
@@ -8307,7 +4138,7 @@
             <a:fld id="{1D8BD707-D9CF-40AE-B4C6-C98DA3205C09}" type="datetimeFigureOut">
               <a:rPr lang="en-US" smtClean="0"/>
               <a:pPr/>
-              <a:t>4/15/2024</a:t>
+              <a:t>4/28/2024</a:t>
             </a:fld>
             <a:endParaRPr lang="en-US"/>
           </a:p>
@@ -8472,7 +4303,7 @@
             <a:fld id="{1D8BD707-D9CF-40AE-B4C6-C98DA3205C09}" type="datetimeFigureOut">
               <a:rPr lang="en-US" smtClean="0"/>
               <a:pPr/>
-              <a:t>4/15/2024</a:t>
+              <a:t>4/28/2024</a:t>
             </a:fld>
             <a:endParaRPr lang="en-US"/>
           </a:p>
@@ -8714,7 +4545,7 @@
             <a:fld id="{1D8BD707-D9CF-40AE-B4C6-C98DA3205C09}" type="datetimeFigureOut">
               <a:rPr lang="en-US" smtClean="0"/>
               <a:pPr/>
-              <a:t>4/15/2024</a:t>
+              <a:t>4/28/2024</a:t>
             </a:fld>
             <a:endParaRPr lang="en-US"/>
           </a:p>
@@ -8996,7 +4827,7 @@
             <a:fld id="{1D8BD707-D9CF-40AE-B4C6-C98DA3205C09}" type="datetimeFigureOut">
               <a:rPr lang="en-US" smtClean="0"/>
               <a:pPr/>
-              <a:t>4/15/2024</a:t>
+              <a:t>4/28/2024</a:t>
             </a:fld>
             <a:endParaRPr lang="en-US"/>
           </a:p>
@@ -9412,7 +5243,7 @@
             <a:fld id="{1D8BD707-D9CF-40AE-B4C6-C98DA3205C09}" type="datetimeFigureOut">
               <a:rPr lang="en-US" smtClean="0"/>
               <a:pPr/>
-              <a:t>4/15/2024</a:t>
+              <a:t>4/28/2024</a:t>
             </a:fld>
             <a:endParaRPr lang="en-US"/>
           </a:p>
@@ -9526,7 +5357,7 @@
             <a:fld id="{1D8BD707-D9CF-40AE-B4C6-C98DA3205C09}" type="datetimeFigureOut">
               <a:rPr lang="en-US" smtClean="0"/>
               <a:pPr/>
-              <a:t>4/15/2024</a:t>
+              <a:t>4/28/2024</a:t>
             </a:fld>
             <a:endParaRPr lang="en-US"/>
           </a:p>
@@ -9618,7 +5449,7 @@
             <a:fld id="{1D8BD707-D9CF-40AE-B4C6-C98DA3205C09}" type="datetimeFigureOut">
               <a:rPr lang="en-US" smtClean="0"/>
               <a:pPr/>
-              <a:t>4/15/2024</a:t>
+              <a:t>4/28/2024</a:t>
             </a:fld>
             <a:endParaRPr lang="en-US"/>
           </a:p>
@@ -9890,7 +5721,7 @@
             <a:fld id="{1D8BD707-D9CF-40AE-B4C6-C98DA3205C09}" type="datetimeFigureOut">
               <a:rPr lang="en-US" smtClean="0"/>
               <a:pPr/>
-              <a:t>4/15/2024</a:t>
+              <a:t>4/28/2024</a:t>
             </a:fld>
             <a:endParaRPr lang="en-US"/>
           </a:p>
@@ -10139,7 +5970,7 @@
             <a:fld id="{1D8BD707-D9CF-40AE-B4C6-C98DA3205C09}" type="datetimeFigureOut">
               <a:rPr lang="en-US" smtClean="0"/>
               <a:pPr/>
-              <a:t>4/15/2024</a:t>
+              <a:t>4/28/2024</a:t>
             </a:fld>
             <a:endParaRPr lang="en-US"/>
           </a:p>
@@ -10347,7 +6178,7 @@
             <a:fld id="{1D8BD707-D9CF-40AE-B4C6-C98DA3205C09}" type="datetimeFigureOut">
               <a:rPr lang="en-US" smtClean="0"/>
               <a:pPr/>
-              <a:t>4/15/2024</a:t>
+              <a:t>4/28/2024</a:t>
             </a:fld>
             <a:endParaRPr lang="en-US"/>
           </a:p>
@@ -11205,10 +7036,10 @@
             </a:pathLst>
           </a:custGeom>
           <a:blipFill>
-            <a:blip r:embed="rId2">
+            <a:blip r:embed="rId3">
               <a:extLst>
                 <a:ext uri="{96DAC541-7B7A-43D3-8B79-37D633B846F1}">
-                  <asvg:svgBlip xmlns:asvg="http://schemas.microsoft.com/office/drawing/2016/SVG/main" r:embed="rId3"/>
+                  <asvg:svgBlip xmlns:asvg="http://schemas.microsoft.com/office/drawing/2016/SVG/main" r:embed="rId4"/>
                 </a:ext>
               </a:extLst>
             </a:blip>
@@ -11264,10 +7095,10 @@
             </a:pathLst>
           </a:custGeom>
           <a:blipFill>
-            <a:blip r:embed="rId4">
+            <a:blip r:embed="rId5">
               <a:extLst>
                 <a:ext uri="{96DAC541-7B7A-43D3-8B79-37D633B846F1}">
-                  <asvg:svgBlip xmlns:asvg="http://schemas.microsoft.com/office/drawing/2016/SVG/main" r:embed="rId5"/>
+                  <asvg:svgBlip xmlns:asvg="http://schemas.microsoft.com/office/drawing/2016/SVG/main" r:embed="rId6"/>
                 </a:ext>
               </a:extLst>
             </a:blip>
@@ -11671,10 +7502,10 @@
       </p:sp>
       <p:pic>
         <p:nvPicPr>
-          <p:cNvPr id="4" name="Picture 3" descr="A graph of blue bars&#10;&#10;Description automatically generated">
+          <p:cNvPr id="5" name="Picture 4">
             <a:extLst>
               <a:ext uri="{FF2B5EF4-FFF2-40B4-BE49-F238E27FC236}">
-                <a16:creationId xmlns:a16="http://schemas.microsoft.com/office/drawing/2014/main" id="{03668448-1BE6-7259-2374-7CD0BB5022A5}"/>
+                <a16:creationId xmlns:a16="http://schemas.microsoft.com/office/drawing/2014/main" id="{D1A4C9DF-85C8-92CE-0B81-98E4FB3621F2}"/>
               </a:ext>
             </a:extLst>
           </p:cNvPr>
@@ -11691,8 +7522,8 @@
         </p:blipFill>
         <p:spPr>
           <a:xfrm>
-            <a:off x="546012" y="480878"/>
-            <a:ext cx="16541616" cy="9019119"/>
+            <a:off x="838200" y="666867"/>
+            <a:ext cx="16986376" cy="8953266"/>
           </a:xfrm>
           <a:prstGeom prst="rect">
             <a:avLst/>
@@ -12234,10 +8065,10 @@
       </p:sp>
       <p:pic>
         <p:nvPicPr>
-          <p:cNvPr id="3" name="Picture 2" descr="A graph with blue squares&#10;&#10;Description automatically generated">
+          <p:cNvPr id="5" name="Picture 4">
             <a:extLst>
               <a:ext uri="{FF2B5EF4-FFF2-40B4-BE49-F238E27FC236}">
-                <a16:creationId xmlns:a16="http://schemas.microsoft.com/office/drawing/2014/main" id="{DD7849B7-9D6C-E8A1-2C2A-D49A09DCA31D}"/>
+                <a16:creationId xmlns:a16="http://schemas.microsoft.com/office/drawing/2014/main" id="{85040DA5-B8BF-3AE8-AD6A-59A1A43C06C8}"/>
               </a:ext>
             </a:extLst>
           </p:cNvPr>
@@ -12254,8 +8085,8 @@
         </p:blipFill>
         <p:spPr>
           <a:xfrm>
-            <a:off x="2514600" y="330758"/>
-            <a:ext cx="12039600" cy="9697796"/>
+            <a:off x="867153" y="647700"/>
+            <a:ext cx="16553693" cy="8991600"/>
           </a:xfrm>
           <a:prstGeom prst="rect">
             <a:avLst/>
@@ -12412,10 +8243,10 @@
       </p:sp>
       <p:pic>
         <p:nvPicPr>
-          <p:cNvPr id="4" name="Picture 3" descr="A graph of blue bars&#10;&#10;Description automatically generated">
+          <p:cNvPr id="5" name="Picture 4">
             <a:extLst>
               <a:ext uri="{FF2B5EF4-FFF2-40B4-BE49-F238E27FC236}">
-                <a16:creationId xmlns:a16="http://schemas.microsoft.com/office/drawing/2014/main" id="{AB1C3766-F631-AE5A-E2F1-CEA00E0C0530}"/>
+                <a16:creationId xmlns:a16="http://schemas.microsoft.com/office/drawing/2014/main" id="{A7FC2167-3FF5-9512-7AA5-FDBA1F305FFA}"/>
               </a:ext>
             </a:extLst>
           </p:cNvPr>
@@ -12432,8 +8263,8 @@
         </p:blipFill>
         <p:spPr>
           <a:xfrm>
-            <a:off x="2057400" y="1393616"/>
-            <a:ext cx="15000474" cy="8284276"/>
+            <a:off x="566787" y="800100"/>
+            <a:ext cx="17154425" cy="9077427"/>
           </a:xfrm>
           <a:prstGeom prst="rect">
             <a:avLst/>
@@ -14401,10 +10232,10 @@
       </p:sp>
       <p:pic>
         <p:nvPicPr>
-          <p:cNvPr id="3" name="Picture 2" descr="A graph of blue bars&#10;&#10;Description automatically generated with medium confidence">
+          <p:cNvPr id="5" name="Picture 4">
             <a:extLst>
               <a:ext uri="{FF2B5EF4-FFF2-40B4-BE49-F238E27FC236}">
-                <a16:creationId xmlns:a16="http://schemas.microsoft.com/office/drawing/2014/main" id="{5780D84E-1DBE-5E03-7ACC-2091F98AFA2E}"/>
+                <a16:creationId xmlns:a16="http://schemas.microsoft.com/office/drawing/2014/main" id="{3043EC88-B3BC-B25F-98CC-B574EDE1F0BD}"/>
               </a:ext>
             </a:extLst>
           </p:cNvPr>
@@ -14421,8 +10252,8 @@
         </p:blipFill>
         <p:spPr>
           <a:xfrm>
-            <a:off x="1828799" y="1028700"/>
-            <a:ext cx="15122619" cy="8187132"/>
+            <a:off x="1524000" y="1603152"/>
+            <a:ext cx="15849600" cy="8273518"/>
           </a:xfrm>
           <a:prstGeom prst="rect">
             <a:avLst/>
@@ -17739,10 +13570,10 @@
       </p:sp>
       <p:pic>
         <p:nvPicPr>
-          <p:cNvPr id="6" name="Picture 5">
+          <p:cNvPr id="4" name="Picture 3">
             <a:extLst>
               <a:ext uri="{FF2B5EF4-FFF2-40B4-BE49-F238E27FC236}">
-                <a16:creationId xmlns:a16="http://schemas.microsoft.com/office/drawing/2014/main" id="{041018BA-4941-0656-F09A-D3FA73368680}"/>
+                <a16:creationId xmlns:a16="http://schemas.microsoft.com/office/drawing/2014/main" id="{F7C3502C-EE60-A9BA-DC6B-BE9BCECC69E0}"/>
               </a:ext>
             </a:extLst>
           </p:cNvPr>
@@ -17759,8 +13590,8 @@
         </p:blipFill>
         <p:spPr>
           <a:xfrm>
-            <a:off x="889881" y="723900"/>
-            <a:ext cx="16508237" cy="8991600"/>
+            <a:off x="777054" y="876300"/>
+            <a:ext cx="16733891" cy="9203640"/>
           </a:xfrm>
           <a:prstGeom prst="rect">
             <a:avLst/>
@@ -18496,10 +14327,10 @@
       </p:sp>
       <p:pic>
         <p:nvPicPr>
-          <p:cNvPr id="12" name="Picture 11">
+          <p:cNvPr id="4" name="Picture 3">
             <a:extLst>
               <a:ext uri="{FF2B5EF4-FFF2-40B4-BE49-F238E27FC236}">
-                <a16:creationId xmlns:a16="http://schemas.microsoft.com/office/drawing/2014/main" id="{CF98203E-086C-30A4-7EC9-98D7D8CB4B89}"/>
+                <a16:creationId xmlns:a16="http://schemas.microsoft.com/office/drawing/2014/main" id="{A851CC2B-7987-DA14-F167-AC40A8428417}"/>
               </a:ext>
             </a:extLst>
           </p:cNvPr>
@@ -18516,8 +14347,8 @@
         </p:blipFill>
         <p:spPr>
           <a:xfrm>
-            <a:off x="1600200" y="876300"/>
-            <a:ext cx="16166723" cy="8896563"/>
+            <a:off x="958840" y="1257300"/>
+            <a:ext cx="15711607" cy="8393872"/>
           </a:xfrm>
           <a:prstGeom prst="rect">
             <a:avLst/>
@@ -18874,10 +14705,10 @@
       </p:sp>
       <p:pic>
         <p:nvPicPr>
-          <p:cNvPr id="9" name="Picture 8">
+          <p:cNvPr id="6" name="Picture 5">
             <a:extLst>
               <a:ext uri="{FF2B5EF4-FFF2-40B4-BE49-F238E27FC236}">
-                <a16:creationId xmlns:a16="http://schemas.microsoft.com/office/drawing/2014/main" id="{A4D46BDE-428B-184D-4CA4-AAE02244A912}"/>
+                <a16:creationId xmlns:a16="http://schemas.microsoft.com/office/drawing/2014/main" id="{9E1CA916-D08A-9CA2-EB66-B41CCDC2C194}"/>
               </a:ext>
             </a:extLst>
           </p:cNvPr>
@@ -18894,8 +14725,8 @@
         </p:blipFill>
         <p:spPr>
           <a:xfrm>
-            <a:off x="533400" y="667146"/>
-            <a:ext cx="17221200" cy="9327533"/>
+            <a:off x="1524000" y="952500"/>
+            <a:ext cx="16002000" cy="8620698"/>
           </a:xfrm>
           <a:prstGeom prst="rect">
             <a:avLst/>
@@ -19052,10 +14883,10 @@
       </p:sp>
       <p:pic>
         <p:nvPicPr>
-          <p:cNvPr id="5" name="Picture 4">
+          <p:cNvPr id="4" name="Picture 3">
             <a:extLst>
               <a:ext uri="{FF2B5EF4-FFF2-40B4-BE49-F238E27FC236}">
-                <a16:creationId xmlns:a16="http://schemas.microsoft.com/office/drawing/2014/main" id="{B59C371F-C04D-91C7-3DCA-0EA9DE20FBD4}"/>
+                <a16:creationId xmlns:a16="http://schemas.microsoft.com/office/drawing/2014/main" id="{C7E01E52-3125-D6D5-B33F-6A0A6FDC3206}"/>
               </a:ext>
             </a:extLst>
           </p:cNvPr>
@@ -19072,8 +14903,8 @@
         </p:blipFill>
         <p:spPr>
           <a:xfrm>
-            <a:off x="1295400" y="1028700"/>
-            <a:ext cx="16178255" cy="8915400"/>
+            <a:off x="2057400" y="2166289"/>
+            <a:ext cx="13504249" cy="7377536"/>
           </a:xfrm>
           <a:prstGeom prst="rect">
             <a:avLst/>
@@ -19419,10 +15250,10 @@
       </p:sp>
       <p:pic>
         <p:nvPicPr>
-          <p:cNvPr id="4" name="Picture 3">
+          <p:cNvPr id="8" name="Picture 7">
             <a:extLst>
               <a:ext uri="{FF2B5EF4-FFF2-40B4-BE49-F238E27FC236}">
-                <a16:creationId xmlns:a16="http://schemas.microsoft.com/office/drawing/2014/main" id="{ADF43788-980D-29EB-1EDB-B4C32A61CB4E}"/>
+                <a16:creationId xmlns:a16="http://schemas.microsoft.com/office/drawing/2014/main" id="{DEC67B51-BBCA-95DC-49BC-C0A7AB886DFE}"/>
               </a:ext>
             </a:extLst>
           </p:cNvPr>
@@ -19439,8 +15270,8 @@
         </p:blipFill>
         <p:spPr>
           <a:xfrm>
-            <a:off x="381000" y="457200"/>
-            <a:ext cx="17975692" cy="9372600"/>
+            <a:off x="1237654" y="1181100"/>
+            <a:ext cx="15812691" cy="8686800"/>
           </a:xfrm>
           <a:prstGeom prst="rect">
             <a:avLst/>
@@ -21468,7 +17299,7 @@
         </p:blipFill>
         <p:spPr>
           <a:xfrm>
-            <a:off x="19070" y="2019300"/>
+            <a:off x="0" y="2036379"/>
             <a:ext cx="9115054" cy="6400800"/>
           </a:xfrm>
           <a:prstGeom prst="rect">
@@ -21478,10 +17309,10 @@
       </p:pic>
       <p:pic>
         <p:nvPicPr>
-          <p:cNvPr id="4" name="Picture 3">
+          <p:cNvPr id="6" name="Picture 5">
             <a:extLst>
               <a:ext uri="{FF2B5EF4-FFF2-40B4-BE49-F238E27FC236}">
-                <a16:creationId xmlns:a16="http://schemas.microsoft.com/office/drawing/2014/main" id="{D178EB50-9C4C-9B7B-6A2F-94BC4DAD29FF}"/>
+                <a16:creationId xmlns:a16="http://schemas.microsoft.com/office/drawing/2014/main" id="{FB9B0ED2-897B-287D-6957-D67E9C955D54}"/>
               </a:ext>
             </a:extLst>
           </p:cNvPr>
@@ -21498,8 +17329,8 @@
         </p:blipFill>
         <p:spPr>
           <a:xfrm>
-            <a:off x="8153400" y="1333500"/>
-            <a:ext cx="10080050" cy="7544268"/>
+            <a:off x="7865821" y="2048981"/>
+            <a:ext cx="10440572" cy="6201640"/>
           </a:xfrm>
           <a:prstGeom prst="rect">
             <a:avLst/>
@@ -21790,10 +17621,10 @@
       </p:sp>
       <p:pic>
         <p:nvPicPr>
-          <p:cNvPr id="4" name="Picture 3">
+          <p:cNvPr id="3" name="Picture 2">
             <a:extLst>
               <a:ext uri="{FF2B5EF4-FFF2-40B4-BE49-F238E27FC236}">
-                <a16:creationId xmlns:a16="http://schemas.microsoft.com/office/drawing/2014/main" id="{BA49E368-0E4A-FDC6-92DD-59CF498F8EBF}"/>
+                <a16:creationId xmlns:a16="http://schemas.microsoft.com/office/drawing/2014/main" id="{D9E33DF1-70EB-2954-DE7A-1876DA4367D1}"/>
               </a:ext>
             </a:extLst>
           </p:cNvPr>
@@ -21810,8 +17641,8 @@
         </p:blipFill>
         <p:spPr>
           <a:xfrm>
-            <a:off x="609600" y="472440"/>
-            <a:ext cx="17445669" cy="9791700"/>
+            <a:off x="762000" y="495300"/>
+            <a:ext cx="17126185" cy="9542362"/>
           </a:xfrm>
           <a:prstGeom prst="rect">
             <a:avLst/>
@@ -26354,65 +22185,6 @@
               <a:extLst>
                 <a:ext uri="{96DAC541-7B7A-43D3-8B79-37D633B846F1}">
                   <asvg:svgBlip xmlns:asvg="http://schemas.microsoft.com/office/drawing/2016/SVG/main" r:embed="rId6"/>
-                </a:ext>
-              </a:extLst>
-            </a:blip>
-            <a:stretch>
-              <a:fillRect/>
-            </a:stretch>
-          </a:blipFill>
-        </p:spPr>
-        <p:txBody>
-          <a:bodyPr/>
-          <a:lstStyle/>
-          <a:p>
-            <a:endParaRPr lang="en-US"/>
-          </a:p>
-        </p:txBody>
-      </p:sp>
-      <p:sp>
-        <p:nvSpPr>
-          <p:cNvPr id="8" name="Freeform 8"/>
-          <p:cNvSpPr/>
-          <p:nvPr/>
-        </p:nvSpPr>
-        <p:spPr>
-          <a:xfrm flipH="1">
-            <a:off x="-4254153" y="7476061"/>
-            <a:ext cx="11881594" cy="3564478"/>
-          </a:xfrm>
-          <a:custGeom>
-            <a:avLst/>
-            <a:gdLst/>
-            <a:ahLst/>
-            <a:cxnLst/>
-            <a:rect l="l" t="t" r="r" b="b"/>
-            <a:pathLst>
-              <a:path w="11881594" h="3564478">
-                <a:moveTo>
-                  <a:pt x="11881594" y="0"/>
-                </a:moveTo>
-                <a:lnTo>
-                  <a:pt x="0" y="0"/>
-                </a:lnTo>
-                <a:lnTo>
-                  <a:pt x="0" y="3564478"/>
-                </a:lnTo>
-                <a:lnTo>
-                  <a:pt x="11881594" y="3564478"/>
-                </a:lnTo>
-                <a:lnTo>
-                  <a:pt x="11881594" y="0"/>
-                </a:lnTo>
-                <a:close/>
-              </a:path>
-            </a:pathLst>
-          </a:custGeom>
-          <a:blipFill>
-            <a:blip r:embed="rId7">
-              <a:extLst>
-                <a:ext uri="{96DAC541-7B7A-43D3-8B79-37D633B846F1}">
-                  <asvg:svgBlip xmlns:asvg="http://schemas.microsoft.com/office/drawing/2016/SVG/main" r:embed="rId8"/>
                 </a:ext>
               </a:extLst>
             </a:blip>
